--- a/Assignment/Breast Cancer/KHAI_PHA_DU_LIEU.pptx
+++ b/Assignment/Breast Cancer/KHAI_PHA_DU_LIEU.pptx
@@ -5,10 +5,10 @@
     <p:sldMasterId id="2147483648" r:id="rId1"/>
   </p:sldMasterIdLst>
   <p:notesMasterIdLst>
-    <p:notesMasterId r:id="rId44"/>
+    <p:notesMasterId r:id="rId47"/>
   </p:notesMasterIdLst>
   <p:handoutMasterIdLst>
-    <p:handoutMasterId r:id="rId45"/>
+    <p:handoutMasterId r:id="rId48"/>
   </p:handoutMasterIdLst>
   <p:sldIdLst>
     <p:sldId id="257" r:id="rId2"/>
@@ -49,10 +49,13 @@
     <p:sldId id="294" r:id="rId37"/>
     <p:sldId id="296" r:id="rId38"/>
     <p:sldId id="274" r:id="rId39"/>
-    <p:sldId id="273" r:id="rId40"/>
-    <p:sldId id="272" r:id="rId41"/>
-    <p:sldId id="297" r:id="rId42"/>
-    <p:sldId id="269" r:id="rId43"/>
+    <p:sldId id="331" r:id="rId40"/>
+    <p:sldId id="273" r:id="rId41"/>
+    <p:sldId id="330" r:id="rId42"/>
+    <p:sldId id="329" r:id="rId43"/>
+    <p:sldId id="272" r:id="rId44"/>
+    <p:sldId id="297" r:id="rId45"/>
+    <p:sldId id="269" r:id="rId46"/>
   </p:sldIdLst>
   <p:sldSz cx="12192000" cy="6858000"/>
   <p:notesSz cx="6858000" cy="9144000"/>
@@ -1215,7 +1218,7 @@
               <a:pPr>
                 <a:defRPr/>
               </a:pPr>
-              <a:t>19/10/2022</a:t>
+              <a:t>11/11/2022</a:t>
             </a:fld>
             <a:endParaRPr lang="en-US"/>
           </a:p>
@@ -1454,7 +1457,7 @@
               <a:pPr>
                 <a:defRPr/>
               </a:pPr>
-              <a:t>19/10/2022</a:t>
+              <a:t>11/11/2022</a:t>
             </a:fld>
             <a:endParaRPr lang="en-US"/>
           </a:p>
@@ -2240,7 +2243,7 @@
               <a:pPr>
                 <a:defRPr/>
               </a:pPr>
-              <a:t>19/10/2022</a:t>
+              <a:t>11/11/2022</a:t>
             </a:fld>
             <a:endParaRPr lang="en-US"/>
           </a:p>
@@ -2606,7 +2609,7 @@
               <a:pPr>
                 <a:defRPr/>
               </a:pPr>
-              <a:t>19/10/2022</a:t>
+              <a:t>11/11/2022</a:t>
             </a:fld>
             <a:endParaRPr lang="en-US"/>
           </a:p>
@@ -2944,7 +2947,7 @@
               <a:pPr>
                 <a:defRPr/>
               </a:pPr>
-              <a:t>19/10/2022</a:t>
+              <a:t>11/11/2022</a:t>
             </a:fld>
             <a:endParaRPr lang="en-US"/>
           </a:p>
@@ -3308,7 +3311,7 @@
               <a:pPr>
                 <a:defRPr/>
               </a:pPr>
-              <a:t>19/10/2022</a:t>
+              <a:t>11/11/2022</a:t>
             </a:fld>
             <a:endParaRPr lang="en-US"/>
           </a:p>
@@ -3672,7 +3675,7 @@
               <a:pPr>
                 <a:defRPr/>
               </a:pPr>
-              <a:t>19/10/2022</a:t>
+              <a:t>11/11/2022</a:t>
             </a:fld>
             <a:endParaRPr lang="en-US"/>
           </a:p>
@@ -4012,7 +4015,7 @@
               <a:pPr>
                 <a:defRPr/>
               </a:pPr>
-              <a:t>19/10/2022</a:t>
+              <a:t>11/11/2022</a:t>
             </a:fld>
             <a:endParaRPr lang="en-US"/>
           </a:p>
@@ -4225,7 +4228,7 @@
               <a:pPr>
                 <a:defRPr/>
               </a:pPr>
-              <a:t>19/10/2022</a:t>
+              <a:t>11/11/2022</a:t>
             </a:fld>
             <a:endParaRPr lang="en-US"/>
           </a:p>
@@ -7161,7 +7164,7 @@
                 <a16:creationId xmlns:a16="http://schemas.microsoft.com/office/drawing/2014/main" id="{23127454-05ED-4566-85B8-9B19E8D6DC63}"/>
               </a:ext>
               <a:ext uri="{C183D7F6-B498-43B3-948B-1728B52AA6E4}">
-                <adec:decorative xmlns:adec="http://schemas.microsoft.com/office/drawing/2017/decorative" xmlns="" val="1"/>
+                <adec:decorative xmlns:adec="http://schemas.microsoft.com/office/drawing/2017/decorative" val="1"/>
               </a:ext>
             </a:extLst>
           </p:cNvPr>
@@ -9669,40 +9672,8 @@
                 <a:latin typeface="Times New Roman" panose="02020603050405020304" pitchFamily="18" charset="0"/>
                 <a:cs typeface="Times New Roman" panose="02020603050405020304" pitchFamily="18" charset="0"/>
               </a:rPr>
-              <a:t> - Thuật toán </a:t>
-            </a:r>
-            <a:r>
-              <a:rPr lang="en-US" altLang="en-US" sz="3200">
-                <a:latin typeface="Times New Roman" panose="02020603050405020304" pitchFamily="18" charset="0"/>
-                <a:cs typeface="Times New Roman" panose="02020603050405020304" pitchFamily="18" charset="0"/>
-              </a:rPr>
-              <a:t>Cây</a:t>
-            </a:r>
-            <a:r>
-              <a:rPr lang="en-US" altLang="en-US" sz="3200">
-                <a:latin typeface="Times New Roman" panose="02020603050405020304" pitchFamily="18" charset="0"/>
-                <a:cs typeface="Times New Roman" panose="02020603050405020304" pitchFamily="18" charset="0"/>
-              </a:rPr>
-              <a:t> </a:t>
-            </a:r>
-            <a:r>
-              <a:rPr lang="en-US" altLang="en-US" sz="3200">
-                <a:latin typeface="Times New Roman" panose="02020603050405020304" pitchFamily="18" charset="0"/>
-                <a:cs typeface="Times New Roman" panose="02020603050405020304" pitchFamily="18" charset="0"/>
-              </a:rPr>
-              <a:t>quyết </a:t>
-            </a:r>
-            <a:r>
-              <a:rPr lang="en-US" altLang="en-US" sz="3200">
-                <a:latin typeface="Times New Roman" panose="02020603050405020304" pitchFamily="18" charset="0"/>
-                <a:cs typeface="Times New Roman" panose="02020603050405020304" pitchFamily="18" charset="0"/>
-              </a:rPr>
-              <a:t>định   </a:t>
-            </a:r>
-            <a:endParaRPr lang="en-US" altLang="en-US" sz="3200">
-              <a:latin typeface="Times New Roman" panose="02020603050405020304" pitchFamily="18" charset="0"/>
-              <a:cs typeface="Times New Roman" panose="02020603050405020304" pitchFamily="18" charset="0"/>
-            </a:endParaRPr>
+              <a:t> - Thuật toán Cây quyết định   </a:t>
+            </a:r>
           </a:p>
           <a:p>
             <a:pPr algn="ctr">
@@ -9715,42 +9686,7 @@
                 <a:latin typeface="Times New Roman" panose="02020603050405020304" pitchFamily="18" charset="0"/>
                 <a:cs typeface="Times New Roman" panose="02020603050405020304" pitchFamily="18" charset="0"/>
               </a:rPr>
-              <a:t> - </a:t>
-            </a:r>
-            <a:r>
-              <a:rPr lang="en-US" altLang="en-US" sz="3200">
-                <a:latin typeface="Times New Roman" panose="02020603050405020304" pitchFamily="18" charset="0"/>
-                <a:cs typeface="Times New Roman" panose="02020603050405020304" pitchFamily="18" charset="0"/>
-              </a:rPr>
-              <a:t>Định</a:t>
-            </a:r>
-            <a:r>
-              <a:rPr lang="en-US" altLang="en-US" sz="3200">
-                <a:latin typeface="Times New Roman" panose="02020603050405020304" pitchFamily="18" charset="0"/>
-                <a:cs typeface="Times New Roman" panose="02020603050405020304" pitchFamily="18" charset="0"/>
-              </a:rPr>
-              <a:t> </a:t>
-            </a:r>
-            <a:r>
-              <a:rPr lang="en-US" altLang="en-US" sz="3200">
-                <a:latin typeface="Times New Roman" panose="02020603050405020304" pitchFamily="18" charset="0"/>
-                <a:cs typeface="Times New Roman" panose="02020603050405020304" pitchFamily="18" charset="0"/>
-              </a:rPr>
-              <a:t>lý</a:t>
-            </a:r>
-            <a:r>
-              <a:rPr lang="en-US" altLang="en-US" sz="3200">
-                <a:latin typeface="Times New Roman" panose="02020603050405020304" pitchFamily="18" charset="0"/>
-                <a:cs typeface="Times New Roman" panose="02020603050405020304" pitchFamily="18" charset="0"/>
-              </a:rPr>
-              <a:t> Bayes	</a:t>
-            </a:r>
-            <a:r>
-              <a:rPr lang="en-US" altLang="en-US" sz="3200">
-                <a:latin typeface="Times New Roman" panose="02020603050405020304" pitchFamily="18" charset="0"/>
-                <a:cs typeface="Times New Roman" panose="02020603050405020304" pitchFamily="18" charset="0"/>
-              </a:rPr>
-              <a:t/>
+              <a:t> - Định lý Bayes	</a:t>
             </a:r>
             <a:br>
               <a:rPr lang="en-US" altLang="en-US" sz="3200">
@@ -9763,21 +9699,7 @@
                 <a:latin typeface="Times New Roman" panose="02020603050405020304" pitchFamily="18" charset="0"/>
                 <a:cs typeface="Times New Roman" panose="02020603050405020304" pitchFamily="18" charset="0"/>
               </a:rPr>
-              <a:t>- Thuật toán </a:t>
-            </a:r>
-            <a:r>
-              <a:rPr lang="en-US" altLang="en-US" sz="3200">
-                <a:latin typeface="Times New Roman" panose="02020603050405020304" pitchFamily="18" charset="0"/>
-                <a:cs typeface="Times New Roman" panose="02020603050405020304" pitchFamily="18" charset="0"/>
-              </a:rPr>
-              <a:t>Naïve</a:t>
-            </a:r>
-            <a:r>
-              <a:rPr lang="en-US" altLang="en-US" sz="3200">
-                <a:latin typeface="Times New Roman" panose="02020603050405020304" pitchFamily="18" charset="0"/>
-                <a:cs typeface="Times New Roman" panose="02020603050405020304" pitchFamily="18" charset="0"/>
-              </a:rPr>
-              <a:t> Bayes</a:t>
+              <a:t>- Thuật toán Naïve Bayes</a:t>
             </a:r>
           </a:p>
           <a:p>
@@ -13074,29 +12996,7 @@
                 <a:ea typeface="Times New Roman" panose="02020603050405020304" pitchFamily="18" charset="0"/>
                 <a:cs typeface="Arial"/>
               </a:rPr>
-              <a:t> </a:t>
-            </a:r>
-            <a:r>
-              <a:rPr lang="en-US" sz="1700">
-                <a:solidFill>
-                  <a:schemeClr val="tx1"/>
-                </a:solidFill>
-                <a:latin typeface="Times New Roman"/>
-                <a:ea typeface="Times New Roman" panose="02020603050405020304" pitchFamily="18" charset="0"/>
-                <a:cs typeface="Arial"/>
-              </a:rPr>
-              <a:t>bệnh</a:t>
-            </a:r>
-            <a:r>
-              <a:rPr lang="en-US" sz="1700">
-                <a:solidFill>
-                  <a:schemeClr val="tx1"/>
-                </a:solidFill>
-                <a:latin typeface="Times New Roman"/>
-                <a:ea typeface="Times New Roman" panose="02020603050405020304" pitchFamily="18" charset="0"/>
-                <a:cs typeface="Arial"/>
-              </a:rPr>
-              <a:t> </a:t>
+              <a:t> bệnh </a:t>
             </a:r>
             <a:r>
               <a:rPr lang="en-US" sz="1700">
@@ -17942,10 +17842,6 @@
               <a:buNone/>
               <a:defRPr/>
             </a:pPr>
-            <a:r>
-              <a:rPr lang="vi-VN" altLang="en-US"/>
-              <a:t/>
-            </a:r>
             <a:br>
               <a:rPr lang="vi-VN" altLang="en-US"/>
             </a:br>
@@ -19551,13 +19447,6 @@
   <p:clrMapOvr>
     <a:masterClrMapping/>
   </p:clrMapOvr>
-  <p:timing>
-    <p:tnLst>
-      <p:par>
-        <p:cTn id="1" dur="indefinite" restart="never" nodeType="tmRoot"/>
-      </p:par>
-    </p:tnLst>
-  </p:timing>
 </p:sld>
 </file>
 
@@ -23306,225 +23195,73 @@
       </p:grpSpPr>
       <p:sp>
         <p:nvSpPr>
-          <p:cNvPr id="37890" name="Title 1">
+          <p:cNvPr id="2" name="Title 1">
             <a:extLst>
               <a:ext uri="{FF2B5EF4-FFF2-40B4-BE49-F238E27FC236}">
-                <a16:creationId xmlns:a16="http://schemas.microsoft.com/office/drawing/2014/main" id="{63D6027D-BE33-5D69-EC0C-9E092F9F0AD0}"/>
+                <a16:creationId xmlns:a16="http://schemas.microsoft.com/office/drawing/2014/main" id="{BB423479-6A07-C974-5CD9-452BCBA8FE1D}"/>
               </a:ext>
             </a:extLst>
           </p:cNvPr>
           <p:cNvSpPr>
-            <a:spLocks noGrp="1" noChangeArrowheads="1"/>
+            <a:spLocks noGrp="1"/>
           </p:cNvSpPr>
           <p:nvPr>
             <p:ph type="title"/>
           </p:nvPr>
         </p:nvSpPr>
-        <p:spPr bwMode="auto">
-          <a:xfrm>
-            <a:off x="338138" y="269875"/>
-            <a:ext cx="11515725" cy="436563"/>
-          </a:xfrm>
-          <a:noFill/>
-          <a:extLst>
-            <a:ext uri="{909E8E84-426E-40DD-AFC4-6F175D3DCCD1}">
-              <a14:hiddenFill xmlns:a14="http://schemas.microsoft.com/office/drawing/2010/main">
-                <a:solidFill>
-                  <a:srgbClr val="FFFFFF"/>
-                </a:solidFill>
-              </a14:hiddenFill>
-            </a:ext>
-            <a:ext uri="{91240B29-F687-4F45-9708-019B960494DF}">
-              <a14:hiddenLine xmlns:a14="http://schemas.microsoft.com/office/drawing/2010/main" w="9525">
-                <a:solidFill>
-                  <a:srgbClr val="000000"/>
-                </a:solidFill>
-                <a:miter lim="800000"/>
-                <a:headEnd/>
-                <a:tailEnd/>
-              </a14:hiddenLine>
-            </a:ext>
-          </a:extLst>
-        </p:spPr>
+        <p:spPr/>
         <p:txBody>
-          <a:bodyPr vert="horz" wrap="square" lIns="91440" tIns="45720" rIns="91440" bIns="45720" numCol="1" anchor="t" anchorCtr="0" compatLnSpc="1">
-            <a:prstTxWarp prst="textNoShape">
-              <a:avLst/>
-            </a:prstTxWarp>
-          </a:bodyPr>
+          <a:bodyPr/>
           <a:lstStyle/>
           <a:p>
             <a:r>
-              <a:rPr lang="en-US" altLang="en-US"/>
-              <a:t>ROC của Decision Tree</a:t>
+              <a:rPr lang="en-US"/>
+              <a:t>ROC của Naïve Bayes</a:t>
             </a:r>
           </a:p>
         </p:txBody>
       </p:sp>
       <p:sp>
         <p:nvSpPr>
-          <p:cNvPr id="37891" name="Slide Number Placeholder 3">
+          <p:cNvPr id="4" name="Slide Number Placeholder 3">
             <a:extLst>
               <a:ext uri="{FF2B5EF4-FFF2-40B4-BE49-F238E27FC236}">
-                <a16:creationId xmlns:a16="http://schemas.microsoft.com/office/drawing/2014/main" id="{ECC9420F-CCC0-863D-E606-05DA8B0221C0}"/>
+                <a16:creationId xmlns:a16="http://schemas.microsoft.com/office/drawing/2014/main" id="{9D60A915-EB3A-4CD7-1EB7-FE1414202D36}"/>
               </a:ext>
             </a:extLst>
           </p:cNvPr>
           <p:cNvSpPr>
-            <a:spLocks noGrp="1" noChangeArrowheads="1"/>
+            <a:spLocks noGrp="1"/>
           </p:cNvSpPr>
           <p:nvPr>
             <p:ph type="sldNum" sz="quarter" idx="16"/>
           </p:nvPr>
         </p:nvSpPr>
-        <p:spPr bwMode="auto">
-          <a:noFill/>
-          <a:extLst>
-            <a:ext uri="{909E8E84-426E-40DD-AFC4-6F175D3DCCD1}">
-              <a14:hiddenFill xmlns:a14="http://schemas.microsoft.com/office/drawing/2010/main">
-                <a:solidFill>
-                  <a:srgbClr val="FFFFFF"/>
-                </a:solidFill>
-              </a14:hiddenFill>
-            </a:ext>
-            <a:ext uri="{91240B29-F687-4F45-9708-019B960494DF}">
-              <a14:hiddenLine xmlns:a14="http://schemas.microsoft.com/office/drawing/2010/main" w="9525">
-                <a:solidFill>
-                  <a:srgbClr val="000000"/>
-                </a:solidFill>
-                <a:miter lim="800000"/>
-                <a:headEnd/>
-                <a:tailEnd/>
-              </a14:hiddenLine>
-            </a:ext>
-          </a:extLst>
-        </p:spPr>
+        <p:spPr/>
         <p:txBody>
           <a:bodyPr/>
-          <a:lstStyle>
-            <a:lvl1pPr>
-              <a:defRPr>
-                <a:solidFill>
-                  <a:schemeClr val="tx1"/>
-                </a:solidFill>
-                <a:latin typeface="Calibri" panose="020F0502020204030204" pitchFamily="34" charset="0"/>
-              </a:defRPr>
-            </a:lvl1pPr>
-            <a:lvl2pPr marL="742950" indent="-285750">
-              <a:defRPr>
-                <a:solidFill>
-                  <a:schemeClr val="tx1"/>
-                </a:solidFill>
-                <a:latin typeface="Calibri" panose="020F0502020204030204" pitchFamily="34" charset="0"/>
-              </a:defRPr>
-            </a:lvl2pPr>
-            <a:lvl3pPr marL="1143000" indent="-228600">
-              <a:defRPr>
-                <a:solidFill>
-                  <a:schemeClr val="tx1"/>
-                </a:solidFill>
-                <a:latin typeface="Calibri" panose="020F0502020204030204" pitchFamily="34" charset="0"/>
-              </a:defRPr>
-            </a:lvl3pPr>
-            <a:lvl4pPr marL="1600200" indent="-228600">
-              <a:defRPr>
-                <a:solidFill>
-                  <a:schemeClr val="tx1"/>
-                </a:solidFill>
-                <a:latin typeface="Calibri" panose="020F0502020204030204" pitchFamily="34" charset="0"/>
-              </a:defRPr>
-            </a:lvl4pPr>
-            <a:lvl5pPr marL="2057400" indent="-228600">
-              <a:defRPr>
-                <a:solidFill>
-                  <a:schemeClr val="tx1"/>
-                </a:solidFill>
-                <a:latin typeface="Calibri" panose="020F0502020204030204" pitchFamily="34" charset="0"/>
-              </a:defRPr>
-            </a:lvl5pPr>
-            <a:lvl6pPr marL="2514600" indent="-228600" eaLnBrk="0" fontAlgn="base" hangingPunct="0">
-              <a:spcBef>
-                <a:spcPct val="0"/>
-              </a:spcBef>
-              <a:spcAft>
-                <a:spcPct val="0"/>
-              </a:spcAft>
-              <a:defRPr>
-                <a:solidFill>
-                  <a:schemeClr val="tx1"/>
-                </a:solidFill>
-                <a:latin typeface="Calibri" panose="020F0502020204030204" pitchFamily="34" charset="0"/>
-              </a:defRPr>
-            </a:lvl6pPr>
-            <a:lvl7pPr marL="2971800" indent="-228600" eaLnBrk="0" fontAlgn="base" hangingPunct="0">
-              <a:spcBef>
-                <a:spcPct val="0"/>
-              </a:spcBef>
-              <a:spcAft>
-                <a:spcPct val="0"/>
-              </a:spcAft>
-              <a:defRPr>
-                <a:solidFill>
-                  <a:schemeClr val="tx1"/>
-                </a:solidFill>
-                <a:latin typeface="Calibri" panose="020F0502020204030204" pitchFamily="34" charset="0"/>
-              </a:defRPr>
-            </a:lvl7pPr>
-            <a:lvl8pPr marL="3429000" indent="-228600" eaLnBrk="0" fontAlgn="base" hangingPunct="0">
-              <a:spcBef>
-                <a:spcPct val="0"/>
-              </a:spcBef>
-              <a:spcAft>
-                <a:spcPct val="0"/>
-              </a:spcAft>
-              <a:defRPr>
-                <a:solidFill>
-                  <a:schemeClr val="tx1"/>
-                </a:solidFill>
-                <a:latin typeface="Calibri" panose="020F0502020204030204" pitchFamily="34" charset="0"/>
-              </a:defRPr>
-            </a:lvl8pPr>
-            <a:lvl9pPr marL="3886200" indent="-228600" eaLnBrk="0" fontAlgn="base" hangingPunct="0">
-              <a:spcBef>
-                <a:spcPct val="0"/>
-              </a:spcBef>
-              <a:spcAft>
-                <a:spcPct val="0"/>
-              </a:spcAft>
-              <a:defRPr>
-                <a:solidFill>
-                  <a:schemeClr val="tx1"/>
-                </a:solidFill>
-                <a:latin typeface="Calibri" panose="020F0502020204030204" pitchFamily="34" charset="0"/>
-              </a:defRPr>
-            </a:lvl9pPr>
-          </a:lstStyle>
+          <a:lstStyle/>
           <a:p>
-            <a:fld id="{5D60D8CB-9E8B-40A2-A010-6AE277903BAB}" type="slidenum">
-              <a:rPr lang="en-US" altLang="en-US" smtClean="0">
-                <a:solidFill>
-                  <a:schemeClr val="bg1"/>
-                </a:solidFill>
-                <a:latin typeface="Arial" panose="020B0604020202020204" pitchFamily="34" charset="0"/>
-              </a:rPr>
-              <a:pPr/>
+            <a:pPr>
+              <a:defRPr/>
+            </a:pPr>
+            <a:fld id="{FAD532B0-B1CC-4200-A315-83B5D7496356}" type="slidenum">
+              <a:rPr lang="en-US" altLang="en-US" smtClean="0"/>
+              <a:pPr>
+                <a:defRPr/>
+              </a:pPr>
               <a:t>39</a:t>
             </a:fld>
-            <a:endParaRPr lang="en-US" altLang="en-US">
-              <a:solidFill>
-                <a:schemeClr val="bg1"/>
-              </a:solidFill>
-              <a:latin typeface="Arial" panose="020B0604020202020204" pitchFamily="34" charset="0"/>
-            </a:endParaRPr>
+            <a:endParaRPr lang="en-US" altLang="en-US"/>
           </a:p>
         </p:txBody>
       </p:sp>
       <p:pic>
         <p:nvPicPr>
-          <p:cNvPr id="3" name="Hình ảnh 2">
+          <p:cNvPr id="8" name="Picture 7">
             <a:extLst>
               <a:ext uri="{FF2B5EF4-FFF2-40B4-BE49-F238E27FC236}">
-                <a16:creationId xmlns:a16="http://schemas.microsoft.com/office/drawing/2014/main" id="{CA3D1977-D86E-FC0F-95EC-A9EABA36E16A}"/>
+                <a16:creationId xmlns:a16="http://schemas.microsoft.com/office/drawing/2014/main" id="{BD08A079-D8F1-76E7-86F4-ECFC0810080B}"/>
               </a:ext>
             </a:extLst>
           </p:cNvPr>
@@ -23534,15 +23271,21 @@
           <p:nvPr/>
         </p:nvPicPr>
         <p:blipFill>
-          <a:blip r:embed="rId2"/>
+          <a:blip r:embed="rId2">
+            <a:extLst>
+              <a:ext uri="{28A0092B-C50C-407E-A947-70E740481C1C}">
+                <a14:useLocalDpi xmlns:a14="http://schemas.microsoft.com/office/drawing/2010/main" val="0"/>
+              </a:ext>
+            </a:extLst>
+          </a:blip>
           <a:stretch>
             <a:fillRect/>
           </a:stretch>
         </p:blipFill>
         <p:spPr>
           <a:xfrm>
-            <a:off x="1449558" y="1287193"/>
-            <a:ext cx="9292883" cy="4561961"/>
+            <a:off x="1252330" y="1262270"/>
+            <a:ext cx="9544879" cy="4571999"/>
           </a:xfrm>
           <a:prstGeom prst="rect">
             <a:avLst/>
@@ -23550,6 +23293,11 @@
         </p:spPr>
       </p:pic>
     </p:spTree>
+    <p:extLst>
+      <p:ext uri="{BB962C8B-B14F-4D97-AF65-F5344CB8AC3E}">
+        <p14:creationId xmlns:p14="http://schemas.microsoft.com/office/powerpoint/2010/main" val="388194462"/>
+      </p:ext>
+    </p:extLst>
   </p:cSld>
   <p:clrMapOvr>
     <a:masterClrMapping/>
@@ -24157,17 +23905,842 @@
   <p:clrMapOvr>
     <a:masterClrMapping/>
   </p:clrMapOvr>
-  <p:timing>
-    <p:tnLst>
-      <p:par>
-        <p:cTn id="1" dur="indefinite" restart="never" nodeType="tmRoot"/>
-      </p:par>
-    </p:tnLst>
-  </p:timing>
 </p:sld>
 </file>
 
 <file path=ppt/slides/slide40.xml><?xml version="1.0" encoding="utf-8"?>
+<p:sld xmlns:a="http://schemas.openxmlformats.org/drawingml/2006/main" xmlns:r="http://schemas.openxmlformats.org/officeDocument/2006/relationships" xmlns:p="http://schemas.openxmlformats.org/presentationml/2006/main">
+  <p:cSld>
+    <p:spTree>
+      <p:nvGrpSpPr>
+        <p:cNvPr id="1" name=""/>
+        <p:cNvGrpSpPr/>
+        <p:nvPr/>
+      </p:nvGrpSpPr>
+      <p:grpSpPr>
+        <a:xfrm>
+          <a:off x="0" y="0"/>
+          <a:ext cx="0" cy="0"/>
+          <a:chOff x="0" y="0"/>
+          <a:chExt cx="0" cy="0"/>
+        </a:xfrm>
+      </p:grpSpPr>
+      <p:sp>
+        <p:nvSpPr>
+          <p:cNvPr id="37890" name="Title 1">
+            <a:extLst>
+              <a:ext uri="{FF2B5EF4-FFF2-40B4-BE49-F238E27FC236}">
+                <a16:creationId xmlns:a16="http://schemas.microsoft.com/office/drawing/2014/main" id="{63D6027D-BE33-5D69-EC0C-9E092F9F0AD0}"/>
+              </a:ext>
+            </a:extLst>
+          </p:cNvPr>
+          <p:cNvSpPr>
+            <a:spLocks noGrp="1" noChangeArrowheads="1"/>
+          </p:cNvSpPr>
+          <p:nvPr>
+            <p:ph type="title"/>
+          </p:nvPr>
+        </p:nvSpPr>
+        <p:spPr bwMode="auto">
+          <a:xfrm>
+            <a:off x="338138" y="269875"/>
+            <a:ext cx="11515725" cy="436563"/>
+          </a:xfrm>
+          <a:noFill/>
+          <a:extLst>
+            <a:ext uri="{909E8E84-426E-40DD-AFC4-6F175D3DCCD1}">
+              <a14:hiddenFill xmlns:a14="http://schemas.microsoft.com/office/drawing/2010/main">
+                <a:solidFill>
+                  <a:srgbClr val="FFFFFF"/>
+                </a:solidFill>
+              </a14:hiddenFill>
+            </a:ext>
+            <a:ext uri="{91240B29-F687-4F45-9708-019B960494DF}">
+              <a14:hiddenLine xmlns:a14="http://schemas.microsoft.com/office/drawing/2010/main" w="9525">
+                <a:solidFill>
+                  <a:srgbClr val="000000"/>
+                </a:solidFill>
+                <a:miter lim="800000"/>
+                <a:headEnd/>
+                <a:tailEnd/>
+              </a14:hiddenLine>
+            </a:ext>
+          </a:extLst>
+        </p:spPr>
+        <p:txBody>
+          <a:bodyPr vert="horz" wrap="square" lIns="91440" tIns="45720" rIns="91440" bIns="45720" numCol="1" anchor="t" anchorCtr="0" compatLnSpc="1">
+            <a:prstTxWarp prst="textNoShape">
+              <a:avLst/>
+            </a:prstTxWarp>
+          </a:bodyPr>
+          <a:lstStyle/>
+          <a:p>
+            <a:r>
+              <a:rPr lang="en-US" altLang="en-US"/>
+              <a:t>ROC của Decision Tree</a:t>
+            </a:r>
+          </a:p>
+        </p:txBody>
+      </p:sp>
+      <p:sp>
+        <p:nvSpPr>
+          <p:cNvPr id="37891" name="Slide Number Placeholder 3">
+            <a:extLst>
+              <a:ext uri="{FF2B5EF4-FFF2-40B4-BE49-F238E27FC236}">
+                <a16:creationId xmlns:a16="http://schemas.microsoft.com/office/drawing/2014/main" id="{ECC9420F-CCC0-863D-E606-05DA8B0221C0}"/>
+              </a:ext>
+            </a:extLst>
+          </p:cNvPr>
+          <p:cNvSpPr>
+            <a:spLocks noGrp="1" noChangeArrowheads="1"/>
+          </p:cNvSpPr>
+          <p:nvPr>
+            <p:ph type="sldNum" sz="quarter" idx="16"/>
+          </p:nvPr>
+        </p:nvSpPr>
+        <p:spPr bwMode="auto">
+          <a:noFill/>
+          <a:extLst>
+            <a:ext uri="{909E8E84-426E-40DD-AFC4-6F175D3DCCD1}">
+              <a14:hiddenFill xmlns:a14="http://schemas.microsoft.com/office/drawing/2010/main">
+                <a:solidFill>
+                  <a:srgbClr val="FFFFFF"/>
+                </a:solidFill>
+              </a14:hiddenFill>
+            </a:ext>
+            <a:ext uri="{91240B29-F687-4F45-9708-019B960494DF}">
+              <a14:hiddenLine xmlns:a14="http://schemas.microsoft.com/office/drawing/2010/main" w="9525">
+                <a:solidFill>
+                  <a:srgbClr val="000000"/>
+                </a:solidFill>
+                <a:miter lim="800000"/>
+                <a:headEnd/>
+                <a:tailEnd/>
+              </a14:hiddenLine>
+            </a:ext>
+          </a:extLst>
+        </p:spPr>
+        <p:txBody>
+          <a:bodyPr/>
+          <a:lstStyle>
+            <a:lvl1pPr>
+              <a:defRPr>
+                <a:solidFill>
+                  <a:schemeClr val="tx1"/>
+                </a:solidFill>
+                <a:latin typeface="Calibri" panose="020F0502020204030204" pitchFamily="34" charset="0"/>
+              </a:defRPr>
+            </a:lvl1pPr>
+            <a:lvl2pPr marL="742950" indent="-285750">
+              <a:defRPr>
+                <a:solidFill>
+                  <a:schemeClr val="tx1"/>
+                </a:solidFill>
+                <a:latin typeface="Calibri" panose="020F0502020204030204" pitchFamily="34" charset="0"/>
+              </a:defRPr>
+            </a:lvl2pPr>
+            <a:lvl3pPr marL="1143000" indent="-228600">
+              <a:defRPr>
+                <a:solidFill>
+                  <a:schemeClr val="tx1"/>
+                </a:solidFill>
+                <a:latin typeface="Calibri" panose="020F0502020204030204" pitchFamily="34" charset="0"/>
+              </a:defRPr>
+            </a:lvl3pPr>
+            <a:lvl4pPr marL="1600200" indent="-228600">
+              <a:defRPr>
+                <a:solidFill>
+                  <a:schemeClr val="tx1"/>
+                </a:solidFill>
+                <a:latin typeface="Calibri" panose="020F0502020204030204" pitchFamily="34" charset="0"/>
+              </a:defRPr>
+            </a:lvl4pPr>
+            <a:lvl5pPr marL="2057400" indent="-228600">
+              <a:defRPr>
+                <a:solidFill>
+                  <a:schemeClr val="tx1"/>
+                </a:solidFill>
+                <a:latin typeface="Calibri" panose="020F0502020204030204" pitchFamily="34" charset="0"/>
+              </a:defRPr>
+            </a:lvl5pPr>
+            <a:lvl6pPr marL="2514600" indent="-228600" eaLnBrk="0" fontAlgn="base" hangingPunct="0">
+              <a:spcBef>
+                <a:spcPct val="0"/>
+              </a:spcBef>
+              <a:spcAft>
+                <a:spcPct val="0"/>
+              </a:spcAft>
+              <a:defRPr>
+                <a:solidFill>
+                  <a:schemeClr val="tx1"/>
+                </a:solidFill>
+                <a:latin typeface="Calibri" panose="020F0502020204030204" pitchFamily="34" charset="0"/>
+              </a:defRPr>
+            </a:lvl6pPr>
+            <a:lvl7pPr marL="2971800" indent="-228600" eaLnBrk="0" fontAlgn="base" hangingPunct="0">
+              <a:spcBef>
+                <a:spcPct val="0"/>
+              </a:spcBef>
+              <a:spcAft>
+                <a:spcPct val="0"/>
+              </a:spcAft>
+              <a:defRPr>
+                <a:solidFill>
+                  <a:schemeClr val="tx1"/>
+                </a:solidFill>
+                <a:latin typeface="Calibri" panose="020F0502020204030204" pitchFamily="34" charset="0"/>
+              </a:defRPr>
+            </a:lvl7pPr>
+            <a:lvl8pPr marL="3429000" indent="-228600" eaLnBrk="0" fontAlgn="base" hangingPunct="0">
+              <a:spcBef>
+                <a:spcPct val="0"/>
+              </a:spcBef>
+              <a:spcAft>
+                <a:spcPct val="0"/>
+              </a:spcAft>
+              <a:defRPr>
+                <a:solidFill>
+                  <a:schemeClr val="tx1"/>
+                </a:solidFill>
+                <a:latin typeface="Calibri" panose="020F0502020204030204" pitchFamily="34" charset="0"/>
+              </a:defRPr>
+            </a:lvl8pPr>
+            <a:lvl9pPr marL="3886200" indent="-228600" eaLnBrk="0" fontAlgn="base" hangingPunct="0">
+              <a:spcBef>
+                <a:spcPct val="0"/>
+              </a:spcBef>
+              <a:spcAft>
+                <a:spcPct val="0"/>
+              </a:spcAft>
+              <a:defRPr>
+                <a:solidFill>
+                  <a:schemeClr val="tx1"/>
+                </a:solidFill>
+                <a:latin typeface="Calibri" panose="020F0502020204030204" pitchFamily="34" charset="0"/>
+              </a:defRPr>
+            </a:lvl9pPr>
+          </a:lstStyle>
+          <a:p>
+            <a:fld id="{5D60D8CB-9E8B-40A2-A010-6AE277903BAB}" type="slidenum">
+              <a:rPr lang="en-US" altLang="en-US" smtClean="0">
+                <a:solidFill>
+                  <a:schemeClr val="bg1"/>
+                </a:solidFill>
+                <a:latin typeface="Arial" panose="020B0604020202020204" pitchFamily="34" charset="0"/>
+              </a:rPr>
+              <a:pPr/>
+              <a:t>40</a:t>
+            </a:fld>
+            <a:endParaRPr lang="en-US" altLang="en-US">
+              <a:solidFill>
+                <a:schemeClr val="bg1"/>
+              </a:solidFill>
+              <a:latin typeface="Arial" panose="020B0604020202020204" pitchFamily="34" charset="0"/>
+            </a:endParaRPr>
+          </a:p>
+        </p:txBody>
+      </p:sp>
+      <p:pic>
+        <p:nvPicPr>
+          <p:cNvPr id="3" name="Hình ảnh 2">
+            <a:extLst>
+              <a:ext uri="{FF2B5EF4-FFF2-40B4-BE49-F238E27FC236}">
+                <a16:creationId xmlns:a16="http://schemas.microsoft.com/office/drawing/2014/main" id="{CA3D1977-D86E-FC0F-95EC-A9EABA36E16A}"/>
+              </a:ext>
+            </a:extLst>
+          </p:cNvPr>
+          <p:cNvPicPr>
+            <a:picLocks noChangeAspect="1"/>
+          </p:cNvPicPr>
+          <p:nvPr/>
+        </p:nvPicPr>
+        <p:blipFill>
+          <a:blip r:embed="rId2"/>
+          <a:stretch>
+            <a:fillRect/>
+          </a:stretch>
+        </p:blipFill>
+        <p:spPr>
+          <a:xfrm>
+            <a:off x="1272210" y="1222513"/>
+            <a:ext cx="9470232" cy="4626641"/>
+          </a:xfrm>
+          <a:prstGeom prst="rect">
+            <a:avLst/>
+          </a:prstGeom>
+        </p:spPr>
+      </p:pic>
+    </p:spTree>
+  </p:cSld>
+  <p:clrMapOvr>
+    <a:masterClrMapping/>
+  </p:clrMapOvr>
+</p:sld>
+</file>
+
+<file path=ppt/slides/slide41.xml><?xml version="1.0" encoding="utf-8"?>
+<p:sld xmlns:a="http://schemas.openxmlformats.org/drawingml/2006/main" xmlns:r="http://schemas.openxmlformats.org/officeDocument/2006/relationships" xmlns:p="http://schemas.openxmlformats.org/presentationml/2006/main">
+  <p:cSld>
+    <p:spTree>
+      <p:nvGrpSpPr>
+        <p:cNvPr id="1" name=""/>
+        <p:cNvGrpSpPr/>
+        <p:nvPr/>
+      </p:nvGrpSpPr>
+      <p:grpSpPr>
+        <a:xfrm>
+          <a:off x="0" y="0"/>
+          <a:ext cx="0" cy="0"/>
+          <a:chOff x="0" y="0"/>
+          <a:chExt cx="0" cy="0"/>
+        </a:xfrm>
+      </p:grpSpPr>
+      <p:sp>
+        <p:nvSpPr>
+          <p:cNvPr id="37890" name="Title 1">
+            <a:extLst>
+              <a:ext uri="{FF2B5EF4-FFF2-40B4-BE49-F238E27FC236}">
+                <a16:creationId xmlns:a16="http://schemas.microsoft.com/office/drawing/2014/main" id="{63D6027D-BE33-5D69-EC0C-9E092F9F0AD0}"/>
+              </a:ext>
+            </a:extLst>
+          </p:cNvPr>
+          <p:cNvSpPr>
+            <a:spLocks noGrp="1" noChangeArrowheads="1"/>
+          </p:cNvSpPr>
+          <p:nvPr>
+            <p:ph type="title"/>
+          </p:nvPr>
+        </p:nvSpPr>
+        <p:spPr bwMode="auto">
+          <a:xfrm>
+            <a:off x="338138" y="269875"/>
+            <a:ext cx="11515725" cy="436563"/>
+          </a:xfrm>
+          <a:noFill/>
+          <a:extLst>
+            <a:ext uri="{909E8E84-426E-40DD-AFC4-6F175D3DCCD1}">
+              <a14:hiddenFill xmlns:a14="http://schemas.microsoft.com/office/drawing/2010/main">
+                <a:solidFill>
+                  <a:srgbClr val="FFFFFF"/>
+                </a:solidFill>
+              </a14:hiddenFill>
+            </a:ext>
+            <a:ext uri="{91240B29-F687-4F45-9708-019B960494DF}">
+              <a14:hiddenLine xmlns:a14="http://schemas.microsoft.com/office/drawing/2010/main" w="9525">
+                <a:solidFill>
+                  <a:srgbClr val="000000"/>
+                </a:solidFill>
+                <a:miter lim="800000"/>
+                <a:headEnd/>
+                <a:tailEnd/>
+              </a14:hiddenLine>
+            </a:ext>
+          </a:extLst>
+        </p:spPr>
+        <p:txBody>
+          <a:bodyPr vert="horz" wrap="square" lIns="91440" tIns="45720" rIns="91440" bIns="45720" numCol="1" anchor="t" anchorCtr="0" compatLnSpc="1">
+            <a:prstTxWarp prst="textNoShape">
+              <a:avLst/>
+            </a:prstTxWarp>
+          </a:bodyPr>
+          <a:lstStyle/>
+          <a:p>
+            <a:r>
+              <a:rPr lang="en-US" altLang="en-US"/>
+              <a:t>ROC của Bayes</a:t>
+            </a:r>
+          </a:p>
+        </p:txBody>
+      </p:sp>
+      <p:sp>
+        <p:nvSpPr>
+          <p:cNvPr id="37891" name="Slide Number Placeholder 3">
+            <a:extLst>
+              <a:ext uri="{FF2B5EF4-FFF2-40B4-BE49-F238E27FC236}">
+                <a16:creationId xmlns:a16="http://schemas.microsoft.com/office/drawing/2014/main" id="{ECC9420F-CCC0-863D-E606-05DA8B0221C0}"/>
+              </a:ext>
+            </a:extLst>
+          </p:cNvPr>
+          <p:cNvSpPr>
+            <a:spLocks noGrp="1" noChangeArrowheads="1"/>
+          </p:cNvSpPr>
+          <p:nvPr>
+            <p:ph type="sldNum" sz="quarter" idx="16"/>
+          </p:nvPr>
+        </p:nvSpPr>
+        <p:spPr bwMode="auto">
+          <a:noFill/>
+          <a:extLst>
+            <a:ext uri="{909E8E84-426E-40DD-AFC4-6F175D3DCCD1}">
+              <a14:hiddenFill xmlns:a14="http://schemas.microsoft.com/office/drawing/2010/main">
+                <a:solidFill>
+                  <a:srgbClr val="FFFFFF"/>
+                </a:solidFill>
+              </a14:hiddenFill>
+            </a:ext>
+            <a:ext uri="{91240B29-F687-4F45-9708-019B960494DF}">
+              <a14:hiddenLine xmlns:a14="http://schemas.microsoft.com/office/drawing/2010/main" w="9525">
+                <a:solidFill>
+                  <a:srgbClr val="000000"/>
+                </a:solidFill>
+                <a:miter lim="800000"/>
+                <a:headEnd/>
+                <a:tailEnd/>
+              </a14:hiddenLine>
+            </a:ext>
+          </a:extLst>
+        </p:spPr>
+        <p:txBody>
+          <a:bodyPr/>
+          <a:lstStyle>
+            <a:lvl1pPr>
+              <a:defRPr>
+                <a:solidFill>
+                  <a:schemeClr val="tx1"/>
+                </a:solidFill>
+                <a:latin typeface="Calibri" panose="020F0502020204030204" pitchFamily="34" charset="0"/>
+              </a:defRPr>
+            </a:lvl1pPr>
+            <a:lvl2pPr marL="742950" indent="-285750">
+              <a:defRPr>
+                <a:solidFill>
+                  <a:schemeClr val="tx1"/>
+                </a:solidFill>
+                <a:latin typeface="Calibri" panose="020F0502020204030204" pitchFamily="34" charset="0"/>
+              </a:defRPr>
+            </a:lvl2pPr>
+            <a:lvl3pPr marL="1143000" indent="-228600">
+              <a:defRPr>
+                <a:solidFill>
+                  <a:schemeClr val="tx1"/>
+                </a:solidFill>
+                <a:latin typeface="Calibri" panose="020F0502020204030204" pitchFamily="34" charset="0"/>
+              </a:defRPr>
+            </a:lvl3pPr>
+            <a:lvl4pPr marL="1600200" indent="-228600">
+              <a:defRPr>
+                <a:solidFill>
+                  <a:schemeClr val="tx1"/>
+                </a:solidFill>
+                <a:latin typeface="Calibri" panose="020F0502020204030204" pitchFamily="34" charset="0"/>
+              </a:defRPr>
+            </a:lvl4pPr>
+            <a:lvl5pPr marL="2057400" indent="-228600">
+              <a:defRPr>
+                <a:solidFill>
+                  <a:schemeClr val="tx1"/>
+                </a:solidFill>
+                <a:latin typeface="Calibri" panose="020F0502020204030204" pitchFamily="34" charset="0"/>
+              </a:defRPr>
+            </a:lvl5pPr>
+            <a:lvl6pPr marL="2514600" indent="-228600" eaLnBrk="0" fontAlgn="base" hangingPunct="0">
+              <a:spcBef>
+                <a:spcPct val="0"/>
+              </a:spcBef>
+              <a:spcAft>
+                <a:spcPct val="0"/>
+              </a:spcAft>
+              <a:defRPr>
+                <a:solidFill>
+                  <a:schemeClr val="tx1"/>
+                </a:solidFill>
+                <a:latin typeface="Calibri" panose="020F0502020204030204" pitchFamily="34" charset="0"/>
+              </a:defRPr>
+            </a:lvl6pPr>
+            <a:lvl7pPr marL="2971800" indent="-228600" eaLnBrk="0" fontAlgn="base" hangingPunct="0">
+              <a:spcBef>
+                <a:spcPct val="0"/>
+              </a:spcBef>
+              <a:spcAft>
+                <a:spcPct val="0"/>
+              </a:spcAft>
+              <a:defRPr>
+                <a:solidFill>
+                  <a:schemeClr val="tx1"/>
+                </a:solidFill>
+                <a:latin typeface="Calibri" panose="020F0502020204030204" pitchFamily="34" charset="0"/>
+              </a:defRPr>
+            </a:lvl7pPr>
+            <a:lvl8pPr marL="3429000" indent="-228600" eaLnBrk="0" fontAlgn="base" hangingPunct="0">
+              <a:spcBef>
+                <a:spcPct val="0"/>
+              </a:spcBef>
+              <a:spcAft>
+                <a:spcPct val="0"/>
+              </a:spcAft>
+              <a:defRPr>
+                <a:solidFill>
+                  <a:schemeClr val="tx1"/>
+                </a:solidFill>
+                <a:latin typeface="Calibri" panose="020F0502020204030204" pitchFamily="34" charset="0"/>
+              </a:defRPr>
+            </a:lvl8pPr>
+            <a:lvl9pPr marL="3886200" indent="-228600" eaLnBrk="0" fontAlgn="base" hangingPunct="0">
+              <a:spcBef>
+                <a:spcPct val="0"/>
+              </a:spcBef>
+              <a:spcAft>
+                <a:spcPct val="0"/>
+              </a:spcAft>
+              <a:defRPr>
+                <a:solidFill>
+                  <a:schemeClr val="tx1"/>
+                </a:solidFill>
+                <a:latin typeface="Calibri" panose="020F0502020204030204" pitchFamily="34" charset="0"/>
+              </a:defRPr>
+            </a:lvl9pPr>
+          </a:lstStyle>
+          <a:p>
+            <a:fld id="{5D60D8CB-9E8B-40A2-A010-6AE277903BAB}" type="slidenum">
+              <a:rPr lang="en-US" altLang="en-US" smtClean="0">
+                <a:solidFill>
+                  <a:schemeClr val="bg1"/>
+                </a:solidFill>
+                <a:latin typeface="Arial" panose="020B0604020202020204" pitchFamily="34" charset="0"/>
+              </a:rPr>
+              <a:pPr/>
+              <a:t>41</a:t>
+            </a:fld>
+            <a:endParaRPr lang="en-US" altLang="en-US">
+              <a:solidFill>
+                <a:schemeClr val="bg1"/>
+              </a:solidFill>
+              <a:latin typeface="Arial" panose="020B0604020202020204" pitchFamily="34" charset="0"/>
+            </a:endParaRPr>
+          </a:p>
+        </p:txBody>
+      </p:sp>
+      <p:pic>
+        <p:nvPicPr>
+          <p:cNvPr id="4" name="Picture 3">
+            <a:extLst>
+              <a:ext uri="{FF2B5EF4-FFF2-40B4-BE49-F238E27FC236}">
+                <a16:creationId xmlns:a16="http://schemas.microsoft.com/office/drawing/2014/main" id="{EB3F769C-1079-297D-6B48-B8FED9CE931E}"/>
+              </a:ext>
+            </a:extLst>
+          </p:cNvPr>
+          <p:cNvPicPr>
+            <a:picLocks noChangeAspect="1"/>
+          </p:cNvPicPr>
+          <p:nvPr/>
+        </p:nvPicPr>
+        <p:blipFill>
+          <a:blip r:embed="rId2">
+            <a:extLst>
+              <a:ext uri="{28A0092B-C50C-407E-A947-70E740481C1C}">
+                <a14:useLocalDpi xmlns:a14="http://schemas.microsoft.com/office/drawing/2010/main" val="0"/>
+              </a:ext>
+            </a:extLst>
+          </a:blip>
+          <a:stretch>
+            <a:fillRect/>
+          </a:stretch>
+        </p:blipFill>
+        <p:spPr>
+          <a:xfrm>
+            <a:off x="1302026" y="1292087"/>
+            <a:ext cx="9455425" cy="4534043"/>
+          </a:xfrm>
+          <a:prstGeom prst="rect">
+            <a:avLst/>
+          </a:prstGeom>
+        </p:spPr>
+      </p:pic>
+    </p:spTree>
+    <p:extLst>
+      <p:ext uri="{BB962C8B-B14F-4D97-AF65-F5344CB8AC3E}">
+        <p14:creationId xmlns:p14="http://schemas.microsoft.com/office/powerpoint/2010/main" val="4104736205"/>
+      </p:ext>
+    </p:extLst>
+  </p:cSld>
+  <p:clrMapOvr>
+    <a:masterClrMapping/>
+  </p:clrMapOvr>
+</p:sld>
+</file>
+
+<file path=ppt/slides/slide42.xml><?xml version="1.0" encoding="utf-8"?>
+<p:sld xmlns:a="http://schemas.openxmlformats.org/drawingml/2006/main" xmlns:r="http://schemas.openxmlformats.org/officeDocument/2006/relationships" xmlns:p="http://schemas.openxmlformats.org/presentationml/2006/main">
+  <p:cSld>
+    <p:spTree>
+      <p:nvGrpSpPr>
+        <p:cNvPr id="1" name=""/>
+        <p:cNvGrpSpPr/>
+        <p:nvPr/>
+      </p:nvGrpSpPr>
+      <p:grpSpPr>
+        <a:xfrm>
+          <a:off x="0" y="0"/>
+          <a:ext cx="0" cy="0"/>
+          <a:chOff x="0" y="0"/>
+          <a:chExt cx="0" cy="0"/>
+        </a:xfrm>
+      </p:grpSpPr>
+      <p:sp>
+        <p:nvSpPr>
+          <p:cNvPr id="37890" name="Title 1">
+            <a:extLst>
+              <a:ext uri="{FF2B5EF4-FFF2-40B4-BE49-F238E27FC236}">
+                <a16:creationId xmlns:a16="http://schemas.microsoft.com/office/drawing/2014/main" id="{63D6027D-BE33-5D69-EC0C-9E092F9F0AD0}"/>
+              </a:ext>
+            </a:extLst>
+          </p:cNvPr>
+          <p:cNvSpPr>
+            <a:spLocks noGrp="1" noChangeArrowheads="1"/>
+          </p:cNvSpPr>
+          <p:nvPr>
+            <p:ph type="title"/>
+          </p:nvPr>
+        </p:nvSpPr>
+        <p:spPr bwMode="auto">
+          <a:xfrm>
+            <a:off x="338138" y="269875"/>
+            <a:ext cx="11515725" cy="436563"/>
+          </a:xfrm>
+          <a:noFill/>
+          <a:extLst>
+            <a:ext uri="{909E8E84-426E-40DD-AFC4-6F175D3DCCD1}">
+              <a14:hiddenFill xmlns:a14="http://schemas.microsoft.com/office/drawing/2010/main">
+                <a:solidFill>
+                  <a:srgbClr val="FFFFFF"/>
+                </a:solidFill>
+              </a14:hiddenFill>
+            </a:ext>
+            <a:ext uri="{91240B29-F687-4F45-9708-019B960494DF}">
+              <a14:hiddenLine xmlns:a14="http://schemas.microsoft.com/office/drawing/2010/main" w="9525">
+                <a:solidFill>
+                  <a:srgbClr val="000000"/>
+                </a:solidFill>
+                <a:miter lim="800000"/>
+                <a:headEnd/>
+                <a:tailEnd/>
+              </a14:hiddenLine>
+            </a:ext>
+          </a:extLst>
+        </p:spPr>
+        <p:txBody>
+          <a:bodyPr vert="horz" wrap="square" lIns="91440" tIns="45720" rIns="91440" bIns="45720" numCol="1" anchor="t" anchorCtr="0" compatLnSpc="1">
+            <a:prstTxWarp prst="textNoShape">
+              <a:avLst/>
+            </a:prstTxWarp>
+          </a:bodyPr>
+          <a:lstStyle/>
+          <a:p>
+            <a:r>
+              <a:rPr lang="en-US" altLang="en-US"/>
+              <a:t>Decision Tree Diagrams </a:t>
+            </a:r>
+          </a:p>
+        </p:txBody>
+      </p:sp>
+      <p:sp>
+        <p:nvSpPr>
+          <p:cNvPr id="37891" name="Slide Number Placeholder 3">
+            <a:extLst>
+              <a:ext uri="{FF2B5EF4-FFF2-40B4-BE49-F238E27FC236}">
+                <a16:creationId xmlns:a16="http://schemas.microsoft.com/office/drawing/2014/main" id="{ECC9420F-CCC0-863D-E606-05DA8B0221C0}"/>
+              </a:ext>
+            </a:extLst>
+          </p:cNvPr>
+          <p:cNvSpPr>
+            <a:spLocks noGrp="1" noChangeArrowheads="1"/>
+          </p:cNvSpPr>
+          <p:nvPr>
+            <p:ph type="sldNum" sz="quarter" idx="16"/>
+          </p:nvPr>
+        </p:nvSpPr>
+        <p:spPr bwMode="auto">
+          <a:noFill/>
+          <a:extLst>
+            <a:ext uri="{909E8E84-426E-40DD-AFC4-6F175D3DCCD1}">
+              <a14:hiddenFill xmlns:a14="http://schemas.microsoft.com/office/drawing/2010/main">
+                <a:solidFill>
+                  <a:srgbClr val="FFFFFF"/>
+                </a:solidFill>
+              </a14:hiddenFill>
+            </a:ext>
+            <a:ext uri="{91240B29-F687-4F45-9708-019B960494DF}">
+              <a14:hiddenLine xmlns:a14="http://schemas.microsoft.com/office/drawing/2010/main" w="9525">
+                <a:solidFill>
+                  <a:srgbClr val="000000"/>
+                </a:solidFill>
+                <a:miter lim="800000"/>
+                <a:headEnd/>
+                <a:tailEnd/>
+              </a14:hiddenLine>
+            </a:ext>
+          </a:extLst>
+        </p:spPr>
+        <p:txBody>
+          <a:bodyPr/>
+          <a:lstStyle>
+            <a:lvl1pPr>
+              <a:defRPr>
+                <a:solidFill>
+                  <a:schemeClr val="tx1"/>
+                </a:solidFill>
+                <a:latin typeface="Calibri" panose="020F0502020204030204" pitchFamily="34" charset="0"/>
+              </a:defRPr>
+            </a:lvl1pPr>
+            <a:lvl2pPr marL="742950" indent="-285750">
+              <a:defRPr>
+                <a:solidFill>
+                  <a:schemeClr val="tx1"/>
+                </a:solidFill>
+                <a:latin typeface="Calibri" panose="020F0502020204030204" pitchFamily="34" charset="0"/>
+              </a:defRPr>
+            </a:lvl2pPr>
+            <a:lvl3pPr marL="1143000" indent="-228600">
+              <a:defRPr>
+                <a:solidFill>
+                  <a:schemeClr val="tx1"/>
+                </a:solidFill>
+                <a:latin typeface="Calibri" panose="020F0502020204030204" pitchFamily="34" charset="0"/>
+              </a:defRPr>
+            </a:lvl3pPr>
+            <a:lvl4pPr marL="1600200" indent="-228600">
+              <a:defRPr>
+                <a:solidFill>
+                  <a:schemeClr val="tx1"/>
+                </a:solidFill>
+                <a:latin typeface="Calibri" panose="020F0502020204030204" pitchFamily="34" charset="0"/>
+              </a:defRPr>
+            </a:lvl4pPr>
+            <a:lvl5pPr marL="2057400" indent="-228600">
+              <a:defRPr>
+                <a:solidFill>
+                  <a:schemeClr val="tx1"/>
+                </a:solidFill>
+                <a:latin typeface="Calibri" panose="020F0502020204030204" pitchFamily="34" charset="0"/>
+              </a:defRPr>
+            </a:lvl5pPr>
+            <a:lvl6pPr marL="2514600" indent="-228600" eaLnBrk="0" fontAlgn="base" hangingPunct="0">
+              <a:spcBef>
+                <a:spcPct val="0"/>
+              </a:spcBef>
+              <a:spcAft>
+                <a:spcPct val="0"/>
+              </a:spcAft>
+              <a:defRPr>
+                <a:solidFill>
+                  <a:schemeClr val="tx1"/>
+                </a:solidFill>
+                <a:latin typeface="Calibri" panose="020F0502020204030204" pitchFamily="34" charset="0"/>
+              </a:defRPr>
+            </a:lvl6pPr>
+            <a:lvl7pPr marL="2971800" indent="-228600" eaLnBrk="0" fontAlgn="base" hangingPunct="0">
+              <a:spcBef>
+                <a:spcPct val="0"/>
+              </a:spcBef>
+              <a:spcAft>
+                <a:spcPct val="0"/>
+              </a:spcAft>
+              <a:defRPr>
+                <a:solidFill>
+                  <a:schemeClr val="tx1"/>
+                </a:solidFill>
+                <a:latin typeface="Calibri" panose="020F0502020204030204" pitchFamily="34" charset="0"/>
+              </a:defRPr>
+            </a:lvl7pPr>
+            <a:lvl8pPr marL="3429000" indent="-228600" eaLnBrk="0" fontAlgn="base" hangingPunct="0">
+              <a:spcBef>
+                <a:spcPct val="0"/>
+              </a:spcBef>
+              <a:spcAft>
+                <a:spcPct val="0"/>
+              </a:spcAft>
+              <a:defRPr>
+                <a:solidFill>
+                  <a:schemeClr val="tx1"/>
+                </a:solidFill>
+                <a:latin typeface="Calibri" panose="020F0502020204030204" pitchFamily="34" charset="0"/>
+              </a:defRPr>
+            </a:lvl8pPr>
+            <a:lvl9pPr marL="3886200" indent="-228600" eaLnBrk="0" fontAlgn="base" hangingPunct="0">
+              <a:spcBef>
+                <a:spcPct val="0"/>
+              </a:spcBef>
+              <a:spcAft>
+                <a:spcPct val="0"/>
+              </a:spcAft>
+              <a:defRPr>
+                <a:solidFill>
+                  <a:schemeClr val="tx1"/>
+                </a:solidFill>
+                <a:latin typeface="Calibri" panose="020F0502020204030204" pitchFamily="34" charset="0"/>
+              </a:defRPr>
+            </a:lvl9pPr>
+          </a:lstStyle>
+          <a:p>
+            <a:fld id="{5D60D8CB-9E8B-40A2-A010-6AE277903BAB}" type="slidenum">
+              <a:rPr lang="en-US" altLang="en-US" smtClean="0">
+                <a:solidFill>
+                  <a:schemeClr val="bg1"/>
+                </a:solidFill>
+                <a:latin typeface="Arial" panose="020B0604020202020204" pitchFamily="34" charset="0"/>
+              </a:rPr>
+              <a:pPr/>
+              <a:t>42</a:t>
+            </a:fld>
+            <a:endParaRPr lang="en-US" altLang="en-US">
+              <a:solidFill>
+                <a:schemeClr val="bg1"/>
+              </a:solidFill>
+              <a:latin typeface="Arial" panose="020B0604020202020204" pitchFamily="34" charset="0"/>
+            </a:endParaRPr>
+          </a:p>
+        </p:txBody>
+      </p:sp>
+      <p:pic>
+        <p:nvPicPr>
+          <p:cNvPr id="4" name="Picture 3">
+            <a:extLst>
+              <a:ext uri="{FF2B5EF4-FFF2-40B4-BE49-F238E27FC236}">
+                <a16:creationId xmlns:a16="http://schemas.microsoft.com/office/drawing/2014/main" id="{C344EBD0-5BC1-BD52-6DD0-76F4419C2003}"/>
+              </a:ext>
+            </a:extLst>
+          </p:cNvPr>
+          <p:cNvPicPr>
+            <a:picLocks noChangeAspect="1"/>
+          </p:cNvPicPr>
+          <p:nvPr/>
+        </p:nvPicPr>
+        <p:blipFill>
+          <a:blip r:embed="rId2">
+            <a:extLst>
+              <a:ext uri="{28A0092B-C50C-407E-A947-70E740481C1C}">
+                <a14:useLocalDpi xmlns:a14="http://schemas.microsoft.com/office/drawing/2010/main" val="0"/>
+              </a:ext>
+            </a:extLst>
+          </a:blip>
+          <a:stretch>
+            <a:fillRect/>
+          </a:stretch>
+        </p:blipFill>
+        <p:spPr>
+          <a:xfrm>
+            <a:off x="94421" y="965729"/>
+            <a:ext cx="12003157" cy="5276046"/>
+          </a:xfrm>
+          <a:prstGeom prst="rect">
+            <a:avLst/>
+          </a:prstGeom>
+        </p:spPr>
+      </p:pic>
+    </p:spTree>
+    <p:extLst>
+      <p:ext uri="{BB962C8B-B14F-4D97-AF65-F5344CB8AC3E}">
+        <p14:creationId xmlns:p14="http://schemas.microsoft.com/office/powerpoint/2010/main" val="1747703320"/>
+      </p:ext>
+    </p:extLst>
+  </p:cSld>
+  <p:clrMapOvr>
+    <a:masterClrMapping/>
+  </p:clrMapOvr>
+</p:sld>
+</file>
+
+<file path=ppt/slides/slide43.xml><?xml version="1.0" encoding="utf-8"?>
 <p:sld xmlns:a="http://schemas.openxmlformats.org/drawingml/2006/main" xmlns:r="http://schemas.openxmlformats.org/officeDocument/2006/relationships" xmlns:p="http://schemas.openxmlformats.org/presentationml/2006/main">
   <p:cSld>
     <p:spTree>
@@ -24417,7 +24990,7 @@
                 <a:latin typeface="Arial" panose="020B0604020202020204" pitchFamily="34" charset="0"/>
               </a:rPr>
               <a:pPr/>
-              <a:t>40</a:t>
+              <a:t>43</a:t>
             </a:fld>
             <a:endParaRPr lang="en-US" altLang="en-US">
               <a:solidFill>
@@ -24513,10 +25086,10 @@
       </p:graphicFrame>
       <p:pic>
         <p:nvPicPr>
-          <p:cNvPr id="5" name="Hình ảnh 4">
+          <p:cNvPr id="4" name="Picture 3">
             <a:extLst>
               <a:ext uri="{FF2B5EF4-FFF2-40B4-BE49-F238E27FC236}">
-                <a16:creationId xmlns:a16="http://schemas.microsoft.com/office/drawing/2014/main" id="{8419ABC3-0A49-C73A-5BCA-07F786AFBF5D}"/>
+                <a16:creationId xmlns:a16="http://schemas.microsoft.com/office/drawing/2014/main" id="{F399818F-5E89-6FE4-8B50-DA99EEBFA29C}"/>
               </a:ext>
             </a:extLst>
           </p:cNvPr>
@@ -24526,66 +25099,33 @@
           <p:nvPr/>
         </p:nvPicPr>
         <p:blipFill>
-          <a:blip r:embed="rId2"/>
+          <a:blip r:embed="rId2">
+            <a:extLst>
+              <a:ext uri="{28A0092B-C50C-407E-A947-70E740481C1C}">
+                <a14:useLocalDpi xmlns:a14="http://schemas.microsoft.com/office/drawing/2010/main" val="0"/>
+              </a:ext>
+            </a:extLst>
+          </a:blip>
           <a:stretch>
             <a:fillRect/>
           </a:stretch>
         </p:blipFill>
         <p:spPr>
           <a:xfrm>
-            <a:off x="1821188" y="1406850"/>
-            <a:ext cx="7241931" cy="4699383"/>
+            <a:off x="1073426" y="996709"/>
+            <a:ext cx="8024399" cy="5307494"/>
           </a:xfrm>
           <a:prstGeom prst="rect">
             <a:avLst/>
           </a:prstGeom>
         </p:spPr>
       </p:pic>
-      <p:cxnSp>
-        <p:nvCxnSpPr>
-          <p:cNvPr id="3" name="Đường nối Thẳng 2">
+      <p:sp>
+        <p:nvSpPr>
+          <p:cNvPr id="6" name="Oval 5">
             <a:extLst>
               <a:ext uri="{FF2B5EF4-FFF2-40B4-BE49-F238E27FC236}">
-                <a16:creationId xmlns:a16="http://schemas.microsoft.com/office/drawing/2014/main" id="{6A4D8E69-D8F1-B6A9-4B1A-B57866FE758E}"/>
-              </a:ext>
-            </a:extLst>
-          </p:cNvPr>
-          <p:cNvCxnSpPr>
-            <a:cxnSpLocks/>
-          </p:cNvCxnSpPr>
-          <p:nvPr/>
-        </p:nvCxnSpPr>
-        <p:spPr>
-          <a:xfrm flipV="1">
-            <a:off x="977849" y="2871695"/>
-            <a:ext cx="9163050" cy="74613"/>
-          </a:xfrm>
-          <a:prstGeom prst="line">
-            <a:avLst/>
-          </a:prstGeom>
-          <a:ln w="28575"/>
-        </p:spPr>
-        <p:style>
-          <a:lnRef idx="1">
-            <a:schemeClr val="accent1"/>
-          </a:lnRef>
-          <a:fillRef idx="0">
-            <a:schemeClr val="accent1"/>
-          </a:fillRef>
-          <a:effectRef idx="0">
-            <a:schemeClr val="accent1"/>
-          </a:effectRef>
-          <a:fontRef idx="minor">
-            <a:schemeClr val="tx1"/>
-          </a:fontRef>
-        </p:style>
-      </p:cxnSp>
-      <p:sp>
-        <p:nvSpPr>
-          <p:cNvPr id="7" name="Hình Bầu dục 6">
-            <a:extLst>
-              <a:ext uri="{FF2B5EF4-FFF2-40B4-BE49-F238E27FC236}">
-                <a16:creationId xmlns:a16="http://schemas.microsoft.com/office/drawing/2014/main" id="{7E084AB2-CAB5-F6AC-D07A-0CDF4B3F0373}"/>
+                <a16:creationId xmlns:a16="http://schemas.microsoft.com/office/drawing/2014/main" id="{35A8C5F9-3684-2351-3555-0AF6D908D7D9}"/>
               </a:ext>
             </a:extLst>
           </p:cNvPr>
@@ -24594,8 +25134,8 @@
         </p:nvSpPr>
         <p:spPr>
           <a:xfrm>
-            <a:off x="4261499" y="2821591"/>
-            <a:ext cx="154445" cy="174822"/>
+            <a:off x="3771048" y="2738988"/>
+            <a:ext cx="125091" cy="129209"/>
           </a:xfrm>
           <a:prstGeom prst="ellipse">
             <a:avLst/>
@@ -24618,16 +25158,52 @@
           </a:fontRef>
         </p:style>
         <p:txBody>
-          <a:bodyPr anchor="ctr"/>
+          <a:bodyPr rtlCol="0" anchor="ctr"/>
           <a:lstStyle/>
           <a:p>
-            <a:pPr algn="ctr">
-              <a:defRPr/>
-            </a:pPr>
+            <a:pPr algn="ctr"/>
             <a:endParaRPr lang="en-US"/>
           </a:p>
         </p:txBody>
       </p:sp>
+      <p:cxnSp>
+        <p:nvCxnSpPr>
+          <p:cNvPr id="10" name="Straight Connector 9">
+            <a:extLst>
+              <a:ext uri="{FF2B5EF4-FFF2-40B4-BE49-F238E27FC236}">
+                <a16:creationId xmlns:a16="http://schemas.microsoft.com/office/drawing/2014/main" id="{2C99B3CE-C1B5-FCDC-6F3F-3DD6D30F87ED}"/>
+              </a:ext>
+            </a:extLst>
+          </p:cNvPr>
+          <p:cNvCxnSpPr>
+            <a:cxnSpLocks/>
+          </p:cNvCxnSpPr>
+          <p:nvPr/>
+        </p:nvCxnSpPr>
+        <p:spPr>
+          <a:xfrm>
+            <a:off x="765313" y="2814288"/>
+            <a:ext cx="8965096" cy="0"/>
+          </a:xfrm>
+          <a:prstGeom prst="line">
+            <a:avLst/>
+          </a:prstGeom>
+        </p:spPr>
+        <p:style>
+          <a:lnRef idx="3">
+            <a:schemeClr val="accent1"/>
+          </a:lnRef>
+          <a:fillRef idx="0">
+            <a:schemeClr val="accent1"/>
+          </a:fillRef>
+          <a:effectRef idx="2">
+            <a:schemeClr val="accent1"/>
+          </a:effectRef>
+          <a:fontRef idx="minor">
+            <a:schemeClr val="tx1"/>
+          </a:fontRef>
+        </p:style>
+      </p:cxnSp>
     </p:spTree>
   </p:cSld>
   <p:clrMapOvr>
@@ -24636,7 +25212,7 @@
 </p:sld>
 </file>
 
-<file path=ppt/slides/slide41.xml><?xml version="1.0" encoding="utf-8"?>
+<file path=ppt/slides/slide44.xml><?xml version="1.0" encoding="utf-8"?>
 <p:sld xmlns:a="http://schemas.openxmlformats.org/drawingml/2006/main" xmlns:r="http://schemas.openxmlformats.org/officeDocument/2006/relationships" xmlns:p="http://schemas.openxmlformats.org/presentationml/2006/main">
   <p:cSld>
     <p:spTree>
@@ -24861,7 +25437,7 @@
                 <a:latin typeface="Arial" panose="020B0604020202020204" pitchFamily="34" charset="0"/>
               </a:rPr>
               <a:pPr/>
-              <a:t>41</a:t>
+              <a:t>44</a:t>
             </a:fld>
             <a:endParaRPr lang="en-US" altLang="en-US">
               <a:solidFill>
@@ -26718,7 +27294,7 @@
 </p:sld>
 </file>
 
-<file path=ppt/slides/slide42.xml><?xml version="1.0" encoding="utf-8"?>
+<file path=ppt/slides/slide45.xml><?xml version="1.0" encoding="utf-8"?>
 <p:sld xmlns:a="http://schemas.openxmlformats.org/drawingml/2006/main" xmlns:r="http://schemas.openxmlformats.org/officeDocument/2006/relationships" xmlns:p="http://schemas.openxmlformats.org/presentationml/2006/main">
   <p:cSld>
     <p:spTree>
@@ -26988,8 +27564,8 @@
           </a:p>
         </p:txBody>
       </p:sp>
-      <mc:AlternateContent xmlns:mc="http://schemas.openxmlformats.org/markup-compatibility/2006" xmlns:a14="http://schemas.microsoft.com/office/drawing/2010/main">
-        <mc:Choice Requires="a14">
+      <mc:AlternateContent xmlns:mc="http://schemas.openxmlformats.org/markup-compatibility/2006">
+        <mc:Choice xmlns:a14="http://schemas.microsoft.com/office/drawing/2010/main" Requires="a14">
           <p:sp>
             <p:nvSpPr>
               <p:cNvPr id="4" name="Rectangle 3"/>
@@ -28037,7 +28613,7 @@
                   </m:oMath>
                 </a14:m>
                 <a:r>
-                  <a:rPr lang="en-US" sz="1800" dirty="0" smtClean="0">
+                  <a:rPr lang="en-US" sz="1800" dirty="0">
                     <a:effectLst/>
                     <a:latin typeface="Times New Roman" panose="02020603050405020304" pitchFamily="18" charset="0"/>
                     <a:ea typeface="Times New Roman" panose="02020603050405020304" pitchFamily="18" charset="0"/>
@@ -28046,7 +28622,7 @@
                   <a:t> </a:t>
                 </a:r>
                 <a:r>
-                  <a:rPr lang="en-US" sz="1800" dirty="0" err="1" smtClean="0">
+                  <a:rPr lang="en-US" sz="1800" dirty="0" err="1">
                     <a:effectLst/>
                     <a:latin typeface="Times New Roman" panose="02020603050405020304" pitchFamily="18" charset="0"/>
                     <a:ea typeface="Times New Roman" panose="02020603050405020304" pitchFamily="18" charset="0"/>
@@ -28055,7 +28631,7 @@
                   <a:t>là</a:t>
                 </a:r>
                 <a:r>
-                  <a:rPr lang="en-US" sz="1800" dirty="0" smtClean="0">
+                  <a:rPr lang="en-US" sz="1800" dirty="0">
                     <a:effectLst/>
                     <a:latin typeface="Times New Roman" panose="02020603050405020304" pitchFamily="18" charset="0"/>
                     <a:ea typeface="Times New Roman" panose="02020603050405020304" pitchFamily="18" charset="0"/>
@@ -28263,7 +28839,7 @@
                   </a:spcAft>
                 </a:pPr>
                 <a:r>
-                  <a:rPr lang="en-US" sz="1800" dirty="0" err="1" smtClean="0">
+                  <a:rPr lang="en-US" sz="1800" dirty="0" err="1">
                     <a:effectLst/>
                     <a:latin typeface="Times New Roman" panose="02020603050405020304" pitchFamily="18" charset="0"/>
                     <a:ea typeface="Times New Roman" panose="02020603050405020304" pitchFamily="18" charset="0"/>
@@ -28272,7 +28848,7 @@
                   <a:t>Chỉ</a:t>
                 </a:r>
                 <a:r>
-                  <a:rPr lang="en-US" sz="1800" dirty="0" smtClean="0">
+                  <a:rPr lang="en-US" sz="1800" dirty="0">
                     <a:effectLst/>
                     <a:latin typeface="Times New Roman" panose="02020603050405020304" pitchFamily="18" charset="0"/>
                     <a:ea typeface="Times New Roman" panose="02020603050405020304" pitchFamily="18" charset="0"/>
@@ -28488,51 +29064,19 @@
               <a:p>
                 <a:pPr algn="ctr"/>
                 <a:r>
-                  <a:rPr lang="en-US" sz="1800" b="0" dirty="0">
+                  <a:rPr lang="en-US" b="0" dirty="0">
                     <a:effectLst/>
                     <a:latin typeface="Times New Roman" panose="02020603050405020304" pitchFamily="18" charset="0"/>
                     <a:ea typeface="Times New Roman" panose="02020603050405020304" pitchFamily="18" charset="0"/>
                   </a:rPr>
-                  <a:t>G(D</a:t>
-                </a:r>
-                <a:r>
-                  <a:rPr lang="en-US" sz="1050" b="0" dirty="0">
-                    <a:effectLst/>
-                    <a:latin typeface="Times New Roman" panose="02020603050405020304" pitchFamily="18" charset="0"/>
-                    <a:ea typeface="Times New Roman" panose="02020603050405020304" pitchFamily="18" charset="0"/>
-                  </a:rPr>
-                  <a:t>Y, </a:t>
-                </a:r>
-                <a:r>
-                  <a:rPr lang="en-US" sz="1800" b="0" dirty="0">
-                    <a:effectLst/>
-                    <a:latin typeface="Times New Roman" panose="02020603050405020304" pitchFamily="18" charset="0"/>
-                    <a:ea typeface="Times New Roman" panose="02020603050405020304" pitchFamily="18" charset="0"/>
-                  </a:rPr>
-                  <a:t>D</a:t>
-                </a:r>
-                <a:r>
-                  <a:rPr lang="en-US" sz="1050" b="0" dirty="0">
-                    <a:effectLst/>
-                    <a:latin typeface="Times New Roman" panose="02020603050405020304" pitchFamily="18" charset="0"/>
-                    <a:ea typeface="Times New Roman" panose="02020603050405020304" pitchFamily="18" charset="0"/>
-                  </a:rPr>
-                  <a:t>N </a:t>
-                </a:r>
-                <a:r>
-                  <a:rPr lang="en-US" sz="1800" b="0" dirty="0">
-                    <a:effectLst/>
-                    <a:latin typeface="Times New Roman" panose="02020603050405020304" pitchFamily="18" charset="0"/>
-                    <a:ea typeface="Times New Roman" panose="02020603050405020304" pitchFamily="18" charset="0"/>
-                  </a:rPr>
-                  <a:t>) = </a:t>
+                  <a:t>G(DY, DN ) = </a:t>
                 </a:r>
                 <a14:m>
                   <m:oMath xmlns:m="http://schemas.openxmlformats.org/officeDocument/2006/math">
                     <m:f>
                       <m:fPr>
                         <m:ctrlPr>
-                          <a:rPr lang="en-US" sz="1800" b="0" i="1">
+                          <a:rPr lang="en-US" b="0" i="1">
                             <a:effectLst/>
                             <a:latin typeface="Cambria Math" panose="02040503050406030204" pitchFamily="18" charset="0"/>
                             <a:ea typeface="Times New Roman" panose="02020603050405020304" pitchFamily="18" charset="0"/>
@@ -28541,25 +29085,17 @@
                       </m:fPr>
                       <m:num>
                         <m:r>
-                          <a:rPr lang="en-US" sz="1800" b="1" i="1">
+                          <a:rPr lang="en-US" b="1" i="1">
                             <a:effectLst/>
                             <a:latin typeface="Cambria Math" panose="02040503050406030204" pitchFamily="18" charset="0"/>
                             <a:ea typeface="Times New Roman" panose="02020603050405020304" pitchFamily="18" charset="0"/>
                           </a:rPr>
-                          <m:t>𝐧</m:t>
-                        </m:r>
-                        <m:r>
-                          <a:rPr lang="en-US" sz="1000" b="1" i="1">
-                            <a:effectLst/>
-                            <a:latin typeface="Cambria Math" panose="02040503050406030204" pitchFamily="18" charset="0"/>
-                            <a:ea typeface="Times New Roman" panose="02020603050405020304" pitchFamily="18" charset="0"/>
-                          </a:rPr>
-                          <m:t>𝐘</m:t>
+                          <m:t>𝐧𝐘</m:t>
                         </m:r>
                       </m:num>
                       <m:den>
                         <m:r>
-                          <a:rPr lang="en-US" sz="1800" b="1" i="1">
+                          <a:rPr lang="en-US" b="1" i="1">
                             <a:effectLst/>
                             <a:latin typeface="Cambria Math" panose="02040503050406030204" pitchFamily="18" charset="0"/>
                             <a:ea typeface="Times New Roman" panose="02020603050405020304" pitchFamily="18" charset="0"/>
@@ -28571,35 +29107,19 @@
                   </m:oMath>
                 </a14:m>
                 <a:r>
-                  <a:rPr lang="en-US" sz="1800" b="0" dirty="0">
+                  <a:rPr lang="en-US" b="0" dirty="0">
                     <a:effectLst/>
                     <a:latin typeface="Times New Roman" panose="02020603050405020304" pitchFamily="18" charset="0"/>
                     <a:ea typeface="Times New Roman" panose="02020603050405020304" pitchFamily="18" charset="0"/>
                   </a:rPr>
-                  <a:t>G(D</a:t>
-                </a:r>
-                <a:r>
-                  <a:rPr lang="en-US" sz="1050" b="0" dirty="0">
-                    <a:effectLst/>
-                    <a:latin typeface="Times New Roman" panose="02020603050405020304" pitchFamily="18" charset="0"/>
-                    <a:ea typeface="Times New Roman" panose="02020603050405020304" pitchFamily="18" charset="0"/>
-                  </a:rPr>
-                  <a:t>Y</a:t>
-                </a:r>
-                <a:r>
-                  <a:rPr lang="en-US" sz="1800" b="0" dirty="0">
-                    <a:effectLst/>
-                    <a:latin typeface="Times New Roman" panose="02020603050405020304" pitchFamily="18" charset="0"/>
-                    <a:ea typeface="Times New Roman" panose="02020603050405020304" pitchFamily="18" charset="0"/>
-                  </a:rPr>
-                  <a:t>) + </a:t>
+                  <a:t>G(DY) + </a:t>
                 </a:r>
                 <a14:m>
                   <m:oMath xmlns:m="http://schemas.openxmlformats.org/officeDocument/2006/math">
                     <m:f>
                       <m:fPr>
                         <m:ctrlPr>
-                          <a:rPr lang="en-US" sz="1800" b="0" i="1">
+                          <a:rPr lang="en-US" b="0" i="1">
                             <a:effectLst/>
                             <a:latin typeface="Cambria Math" panose="02040503050406030204" pitchFamily="18" charset="0"/>
                             <a:ea typeface="Times New Roman" panose="02020603050405020304" pitchFamily="18" charset="0"/>
@@ -28608,25 +29128,17 @@
                       </m:fPr>
                       <m:num>
                         <m:r>
-                          <a:rPr lang="en-US" sz="1800" b="1" i="1">
+                          <a:rPr lang="en-US" b="1" i="1">
                             <a:effectLst/>
                             <a:latin typeface="Cambria Math" panose="02040503050406030204" pitchFamily="18" charset="0"/>
                             <a:ea typeface="Times New Roman" panose="02020603050405020304" pitchFamily="18" charset="0"/>
                           </a:rPr>
-                          <m:t>𝐧</m:t>
-                        </m:r>
-                        <m:r>
-                          <a:rPr lang="en-US" sz="1000" b="1" i="1">
-                            <a:effectLst/>
-                            <a:latin typeface="Cambria Math" panose="02040503050406030204" pitchFamily="18" charset="0"/>
-                            <a:ea typeface="Times New Roman" panose="02020603050405020304" pitchFamily="18" charset="0"/>
-                          </a:rPr>
-                          <m:t>𝐍</m:t>
+                          <m:t>𝐧𝐍</m:t>
                         </m:r>
                       </m:num>
                       <m:den>
                         <m:r>
-                          <a:rPr lang="en-US" sz="1800" b="1" i="1">
+                          <a:rPr lang="en-US" b="1" i="1">
                             <a:effectLst/>
                             <a:latin typeface="Cambria Math" panose="02040503050406030204" pitchFamily="18" charset="0"/>
                             <a:ea typeface="Times New Roman" panose="02020603050405020304" pitchFamily="18" charset="0"/>
@@ -28638,28 +29150,12 @@
                   </m:oMath>
                 </a14:m>
                 <a:r>
-                  <a:rPr lang="en-US" sz="1800" b="0" dirty="0">
+                  <a:rPr lang="en-US" b="0" dirty="0">
                     <a:effectLst/>
                     <a:latin typeface="Times New Roman" panose="02020603050405020304" pitchFamily="18" charset="0"/>
                     <a:ea typeface="Times New Roman" panose="02020603050405020304" pitchFamily="18" charset="0"/>
                   </a:rPr>
-                  <a:t>G(D</a:t>
-                </a:r>
-                <a:r>
-                  <a:rPr lang="en-US" sz="1050" b="0" dirty="0">
-                    <a:effectLst/>
-                    <a:latin typeface="Times New Roman" panose="02020603050405020304" pitchFamily="18" charset="0"/>
-                    <a:ea typeface="Times New Roman" panose="02020603050405020304" pitchFamily="18" charset="0"/>
-                  </a:rPr>
-                  <a:t>N</a:t>
-                </a:r>
-                <a:r>
-                  <a:rPr lang="en-US" sz="1800" b="0" dirty="0" smtClean="0">
-                    <a:effectLst/>
-                    <a:latin typeface="Times New Roman" panose="02020603050405020304" pitchFamily="18" charset="0"/>
-                    <a:ea typeface="Times New Roman" panose="02020603050405020304" pitchFamily="18" charset="0"/>
-                  </a:rPr>
-                  <a:t>)</a:t>
+                  <a:t>G(DN)</a:t>
                 </a:r>
                 <a:endParaRPr lang="en-US" dirty="0">
                   <a:latin typeface="Times New Roman" panose="02020603050405020304" pitchFamily="18" charset="0"/>
@@ -28668,77 +29164,77 @@
               </a:p>
               <a:p>
                 <a:r>
-                  <a:rPr lang="en-US" dirty="0" err="1" smtClean="0">
+                  <a:rPr lang="en-US" dirty="0" err="1">
                     <a:latin typeface="Times New Roman" panose="02020603050405020304" pitchFamily="18" charset="0"/>
                     <a:ea typeface="Times New Roman" panose="02020603050405020304" pitchFamily="18" charset="0"/>
                   </a:rPr>
                   <a:t>Tập</a:t>
                 </a:r>
                 <a:r>
-                  <a:rPr lang="en-US" dirty="0" smtClean="0">
+                  <a:rPr lang="en-US" dirty="0">
                     <a:latin typeface="Times New Roman" panose="02020603050405020304" pitchFamily="18" charset="0"/>
                     <a:ea typeface="Times New Roman" panose="02020603050405020304" pitchFamily="18" charset="0"/>
                   </a:rPr>
                   <a:t> </a:t>
                 </a:r>
                 <a:r>
-                  <a:rPr lang="en-US" dirty="0" err="1" smtClean="0">
+                  <a:rPr lang="en-US" dirty="0" err="1">
                     <a:latin typeface="Times New Roman" panose="02020603050405020304" pitchFamily="18" charset="0"/>
                     <a:ea typeface="Times New Roman" panose="02020603050405020304" pitchFamily="18" charset="0"/>
                   </a:rPr>
                   <a:t>dữ</a:t>
                 </a:r>
                 <a:r>
-                  <a:rPr lang="en-US" dirty="0" smtClean="0">
+                  <a:rPr lang="en-US" dirty="0">
                     <a:latin typeface="Times New Roman" panose="02020603050405020304" pitchFamily="18" charset="0"/>
                     <a:ea typeface="Times New Roman" panose="02020603050405020304" pitchFamily="18" charset="0"/>
                   </a:rPr>
                   <a:t> </a:t>
                 </a:r>
                 <a:r>
-                  <a:rPr lang="en-US" dirty="0" err="1" smtClean="0">
+                  <a:rPr lang="en-US" dirty="0" err="1">
                     <a:latin typeface="Times New Roman" panose="02020603050405020304" pitchFamily="18" charset="0"/>
                     <a:ea typeface="Times New Roman" panose="02020603050405020304" pitchFamily="18" charset="0"/>
                   </a:rPr>
                   <a:t>liệu</a:t>
                 </a:r>
                 <a:r>
-                  <a:rPr lang="en-US" dirty="0" smtClean="0">
+                  <a:rPr lang="en-US" dirty="0">
                     <a:latin typeface="Times New Roman" panose="02020603050405020304" pitchFamily="18" charset="0"/>
                     <a:ea typeface="Times New Roman" panose="02020603050405020304" pitchFamily="18" charset="0"/>
                   </a:rPr>
                   <a:t> D chia </a:t>
                 </a:r>
                 <a:r>
-                  <a:rPr lang="en-US" dirty="0" err="1" smtClean="0">
+                  <a:rPr lang="en-US" dirty="0" err="1">
                     <a:latin typeface="Times New Roman" panose="02020603050405020304" pitchFamily="18" charset="0"/>
                     <a:ea typeface="Times New Roman" panose="02020603050405020304" pitchFamily="18" charset="0"/>
                   </a:rPr>
                   <a:t>thành</a:t>
                 </a:r>
                 <a:r>
-                  <a:rPr lang="en-US" dirty="0" smtClean="0">
+                  <a:rPr lang="en-US" dirty="0">
                     <a:latin typeface="Times New Roman" panose="02020603050405020304" pitchFamily="18" charset="0"/>
                     <a:ea typeface="Times New Roman" panose="02020603050405020304" pitchFamily="18" charset="0"/>
                   </a:rPr>
                   <a:t> 2 </a:t>
                 </a:r>
                 <a:r>
-                  <a:rPr lang="en-US" dirty="0" err="1" smtClean="0">
+                  <a:rPr lang="en-US" dirty="0" err="1">
                     <a:latin typeface="Times New Roman" panose="02020603050405020304" pitchFamily="18" charset="0"/>
                     <a:ea typeface="Times New Roman" panose="02020603050405020304" pitchFamily="18" charset="0"/>
                   </a:rPr>
                   <a:t>tập</a:t>
                 </a:r>
                 <a:r>
-                  <a:rPr lang="en-US" dirty="0" smtClean="0">
+                  <a:rPr lang="en-US" dirty="0">
                     <a:latin typeface="Times New Roman" panose="02020603050405020304" pitchFamily="18" charset="0"/>
                     <a:ea typeface="Times New Roman" panose="02020603050405020304" pitchFamily="18" charset="0"/>
                   </a:rPr>
                   <a:t> con D</a:t>
                 </a:r>
                 <a:r>
-                  <a:rPr lang="en-US" sz="1050" dirty="0" smtClean="0">
+                  <a:rPr lang="en-US" sz="1050" dirty="0">
                     <a:latin typeface="Times New Roman" panose="02020603050405020304" pitchFamily="18" charset="0"/>
                     <a:ea typeface="Times New Roman" panose="02020603050405020304" pitchFamily="18" charset="0"/>
                   </a:rPr>
@@ -28752,287 +29248,283 @@
                   <a:t> </a:t>
                 </a:r>
                 <a:r>
-                  <a:rPr lang="en-US" dirty="0" err="1" smtClean="0">
+                  <a:rPr lang="en-US" dirty="0" err="1">
                     <a:latin typeface="Times New Roman" panose="02020603050405020304" pitchFamily="18" charset="0"/>
                     <a:ea typeface="Times New Roman" panose="02020603050405020304" pitchFamily="18" charset="0"/>
                   </a:rPr>
                   <a:t>và</a:t>
                 </a:r>
                 <a:r>
-                  <a:rPr lang="en-US" dirty="0" smtClean="0">
+                  <a:rPr lang="en-US" dirty="0">
                     <a:latin typeface="Times New Roman" panose="02020603050405020304" pitchFamily="18" charset="0"/>
                     <a:ea typeface="Times New Roman" panose="02020603050405020304" pitchFamily="18" charset="0"/>
                   </a:rPr>
                   <a:t> D</a:t>
                 </a:r>
                 <a:r>
-                  <a:rPr lang="en-US" sz="1050" dirty="0" smtClean="0">
+                  <a:rPr lang="en-US" sz="1050" dirty="0">
                     <a:latin typeface="Times New Roman" panose="02020603050405020304" pitchFamily="18" charset="0"/>
                     <a:ea typeface="Times New Roman" panose="02020603050405020304" pitchFamily="18" charset="0"/>
                   </a:rPr>
                   <a:t>N, </a:t>
                 </a:r>
                 <a:r>
-                  <a:rPr lang="en-US" dirty="0" err="1" smtClean="0">
+                  <a:rPr lang="en-US" dirty="0" err="1">
                     <a:latin typeface="Times New Roman" panose="02020603050405020304" pitchFamily="18" charset="0"/>
                     <a:ea typeface="Times New Roman" panose="02020603050405020304" pitchFamily="18" charset="0"/>
                   </a:rPr>
                   <a:t>nY</a:t>
                 </a:r>
                 <a:r>
-                  <a:rPr lang="en-US" dirty="0" smtClean="0">
+                  <a:rPr lang="en-US" dirty="0">
                     <a:latin typeface="Times New Roman" panose="02020603050405020304" pitchFamily="18" charset="0"/>
                     <a:ea typeface="Times New Roman" panose="02020603050405020304" pitchFamily="18" charset="0"/>
                   </a:rPr>
                   <a:t> </a:t>
                 </a:r>
                 <a:r>
-                  <a:rPr lang="en-US" dirty="0" err="1" smtClean="0">
+                  <a:rPr lang="en-US" dirty="0" err="1">
                     <a:latin typeface="Times New Roman" panose="02020603050405020304" pitchFamily="18" charset="0"/>
                     <a:ea typeface="Times New Roman" panose="02020603050405020304" pitchFamily="18" charset="0"/>
                   </a:rPr>
                   <a:t>là</a:t>
                 </a:r>
                 <a:r>
-                  <a:rPr lang="en-US" dirty="0" smtClean="0">
+                  <a:rPr lang="en-US" dirty="0">
                     <a:latin typeface="Times New Roman" panose="02020603050405020304" pitchFamily="18" charset="0"/>
                     <a:ea typeface="Times New Roman" panose="02020603050405020304" pitchFamily="18" charset="0"/>
                   </a:rPr>
                   <a:t> </a:t>
                 </a:r>
                 <a:r>
-                  <a:rPr lang="en-US" dirty="0" err="1" smtClean="0">
+                  <a:rPr lang="en-US" dirty="0" err="1">
                     <a:latin typeface="Times New Roman" panose="02020603050405020304" pitchFamily="18" charset="0"/>
                     <a:ea typeface="Times New Roman" panose="02020603050405020304" pitchFamily="18" charset="0"/>
                   </a:rPr>
                   <a:t>số</a:t>
                 </a:r>
                 <a:r>
-                  <a:rPr lang="en-US" dirty="0" smtClean="0">
+                  <a:rPr lang="en-US" dirty="0">
                     <a:latin typeface="Times New Roman" panose="02020603050405020304" pitchFamily="18" charset="0"/>
                     <a:ea typeface="Times New Roman" panose="02020603050405020304" pitchFamily="18" charset="0"/>
                   </a:rPr>
                   <a:t> </a:t>
                 </a:r>
                 <a:r>
-                  <a:rPr lang="en-US" dirty="0" err="1" smtClean="0">
+                  <a:rPr lang="en-US" dirty="0" err="1">
                     <a:latin typeface="Times New Roman" panose="02020603050405020304" pitchFamily="18" charset="0"/>
                     <a:ea typeface="Times New Roman" panose="02020603050405020304" pitchFamily="18" charset="0"/>
                   </a:rPr>
                   <a:t>bộ</a:t>
                 </a:r>
                 <a:r>
-                  <a:rPr lang="en-US" dirty="0" smtClean="0">
+                  <a:rPr lang="en-US" dirty="0">
                     <a:latin typeface="Times New Roman" panose="02020603050405020304" pitchFamily="18" charset="0"/>
                     <a:ea typeface="Times New Roman" panose="02020603050405020304" pitchFamily="18" charset="0"/>
                   </a:rPr>
                   <a:t> </a:t>
                 </a:r>
                 <a:r>
-                  <a:rPr lang="en-US" dirty="0" err="1" smtClean="0">
+                  <a:rPr lang="en-US" dirty="0" err="1">
                     <a:latin typeface="Times New Roman" panose="02020603050405020304" pitchFamily="18" charset="0"/>
                     <a:ea typeface="Times New Roman" panose="02020603050405020304" pitchFamily="18" charset="0"/>
                   </a:rPr>
                   <a:t>dữ</a:t>
                 </a:r>
                 <a:r>
-                  <a:rPr lang="en-US" dirty="0" smtClean="0">
+                  <a:rPr lang="en-US" dirty="0">
                     <a:latin typeface="Times New Roman" panose="02020603050405020304" pitchFamily="18" charset="0"/>
                     <a:ea typeface="Times New Roman" panose="02020603050405020304" pitchFamily="18" charset="0"/>
                   </a:rPr>
                   <a:t> </a:t>
                 </a:r>
                 <a:r>
-                  <a:rPr lang="en-US" dirty="0" err="1" smtClean="0">
+                  <a:rPr lang="en-US" dirty="0" err="1">
                     <a:latin typeface="Times New Roman" panose="02020603050405020304" pitchFamily="18" charset="0"/>
                     <a:ea typeface="Times New Roman" panose="02020603050405020304" pitchFamily="18" charset="0"/>
                   </a:rPr>
                   <a:t>liệu</a:t>
                 </a:r>
                 <a:r>
-                  <a:rPr lang="en-US" dirty="0" smtClean="0">
+                  <a:rPr lang="en-US" dirty="0">
                     <a:latin typeface="Times New Roman" panose="02020603050405020304" pitchFamily="18" charset="0"/>
                     <a:ea typeface="Times New Roman" panose="02020603050405020304" pitchFamily="18" charset="0"/>
                   </a:rPr>
                   <a:t> </a:t>
                 </a:r>
                 <a:r>
-                  <a:rPr lang="en-US" dirty="0" err="1" smtClean="0">
+                  <a:rPr lang="en-US" dirty="0" err="1">
                     <a:latin typeface="Times New Roman" panose="02020603050405020304" pitchFamily="18" charset="0"/>
                     <a:ea typeface="Times New Roman" panose="02020603050405020304" pitchFamily="18" charset="0"/>
                   </a:rPr>
                   <a:t>có</a:t>
                 </a:r>
                 <a:r>
-                  <a:rPr lang="en-US" dirty="0" smtClean="0">
+                  <a:rPr lang="en-US" dirty="0">
                     <a:latin typeface="Times New Roman" panose="02020603050405020304" pitchFamily="18" charset="0"/>
                     <a:ea typeface="Times New Roman" panose="02020603050405020304" pitchFamily="18" charset="0"/>
                   </a:rPr>
                   <a:t> </a:t>
                 </a:r>
                 <a:r>
-                  <a:rPr lang="en-US" dirty="0" err="1" smtClean="0">
+                  <a:rPr lang="en-US" dirty="0" err="1">
                     <a:latin typeface="Times New Roman" panose="02020603050405020304" pitchFamily="18" charset="0"/>
                     <a:ea typeface="Times New Roman" panose="02020603050405020304" pitchFamily="18" charset="0"/>
                   </a:rPr>
                   <a:t>nhãn</a:t>
                 </a:r>
                 <a:r>
-                  <a:rPr lang="en-US" dirty="0" smtClean="0">
+                  <a:rPr lang="en-US" dirty="0">
                     <a:latin typeface="Times New Roman" panose="02020603050405020304" pitchFamily="18" charset="0"/>
                     <a:ea typeface="Times New Roman" panose="02020603050405020304" pitchFamily="18" charset="0"/>
                   </a:rPr>
                   <a:t> </a:t>
                 </a:r>
                 <a:r>
-                  <a:rPr lang="en-US" dirty="0" err="1" smtClean="0">
+                  <a:rPr lang="en-US" dirty="0" err="1">
                     <a:latin typeface="Times New Roman" panose="02020603050405020304" pitchFamily="18" charset="0"/>
                     <a:ea typeface="Times New Roman" panose="02020603050405020304" pitchFamily="18" charset="0"/>
                   </a:rPr>
                   <a:t>là</a:t>
                 </a:r>
                 <a:r>
-                  <a:rPr lang="en-US" dirty="0" smtClean="0">
+                  <a:rPr lang="en-US" dirty="0">
                     <a:latin typeface="Times New Roman" panose="02020603050405020304" pitchFamily="18" charset="0"/>
                     <a:ea typeface="Times New Roman" panose="02020603050405020304" pitchFamily="18" charset="0"/>
                   </a:rPr>
                   <a:t> yes, </a:t>
                 </a:r>
                 <a:r>
-                  <a:rPr lang="en-US" dirty="0" err="1" smtClean="0">
+                  <a:rPr lang="en-US" dirty="0" err="1">
                     <a:latin typeface="Times New Roman" panose="02020603050405020304" pitchFamily="18" charset="0"/>
                     <a:ea typeface="Times New Roman" panose="02020603050405020304" pitchFamily="18" charset="0"/>
                   </a:rPr>
                   <a:t>nX</a:t>
                 </a:r>
                 <a:r>
-                  <a:rPr lang="en-US" dirty="0" smtClean="0">
+                  <a:rPr lang="en-US" dirty="0">
                     <a:latin typeface="Times New Roman" panose="02020603050405020304" pitchFamily="18" charset="0"/>
                     <a:ea typeface="Times New Roman" panose="02020603050405020304" pitchFamily="18" charset="0"/>
                   </a:rPr>
                   <a:t> </a:t>
                 </a:r>
                 <a:r>
-                  <a:rPr lang="en-US" dirty="0" err="1" smtClean="0">
+                  <a:rPr lang="en-US" dirty="0" err="1">
                     <a:latin typeface="Times New Roman" panose="02020603050405020304" pitchFamily="18" charset="0"/>
                     <a:ea typeface="Times New Roman" panose="02020603050405020304" pitchFamily="18" charset="0"/>
                   </a:rPr>
                   <a:t>có</a:t>
                 </a:r>
                 <a:r>
-                  <a:rPr lang="en-US" dirty="0" smtClean="0">
+                  <a:rPr lang="en-US" dirty="0">
                     <a:latin typeface="Times New Roman" panose="02020603050405020304" pitchFamily="18" charset="0"/>
                     <a:ea typeface="Times New Roman" panose="02020603050405020304" pitchFamily="18" charset="0"/>
                   </a:rPr>
                   <a:t> </a:t>
                 </a:r>
                 <a:r>
-                  <a:rPr lang="en-US" dirty="0" err="1" smtClean="0">
+                  <a:rPr lang="en-US" dirty="0" err="1">
                     <a:latin typeface="Times New Roman" panose="02020603050405020304" pitchFamily="18" charset="0"/>
                     <a:ea typeface="Times New Roman" panose="02020603050405020304" pitchFamily="18" charset="0"/>
                   </a:rPr>
                   <a:t>số</a:t>
                 </a:r>
                 <a:r>
-                  <a:rPr lang="en-US" dirty="0" smtClean="0">
+                  <a:rPr lang="en-US" dirty="0">
                     <a:latin typeface="Times New Roman" panose="02020603050405020304" pitchFamily="18" charset="0"/>
                     <a:ea typeface="Times New Roman" panose="02020603050405020304" pitchFamily="18" charset="0"/>
                   </a:rPr>
                   <a:t> </a:t>
                 </a:r>
                 <a:r>
-                  <a:rPr lang="en-US" dirty="0" err="1" smtClean="0">
+                  <a:rPr lang="en-US" dirty="0" err="1">
                     <a:latin typeface="Times New Roman" panose="02020603050405020304" pitchFamily="18" charset="0"/>
                     <a:ea typeface="Times New Roman" panose="02020603050405020304" pitchFamily="18" charset="0"/>
                   </a:rPr>
                   <a:t>bộ</a:t>
                 </a:r>
                 <a:r>
-                  <a:rPr lang="en-US" dirty="0" smtClean="0">
+                  <a:rPr lang="en-US" dirty="0">
                     <a:latin typeface="Times New Roman" panose="02020603050405020304" pitchFamily="18" charset="0"/>
                     <a:ea typeface="Times New Roman" panose="02020603050405020304" pitchFamily="18" charset="0"/>
                   </a:rPr>
                   <a:t> </a:t>
                 </a:r>
                 <a:r>
-                  <a:rPr lang="en-US" dirty="0" err="1" smtClean="0">
+                  <a:rPr lang="en-US" dirty="0" err="1">
                     <a:latin typeface="Times New Roman" panose="02020603050405020304" pitchFamily="18" charset="0"/>
                     <a:ea typeface="Times New Roman" panose="02020603050405020304" pitchFamily="18" charset="0"/>
                   </a:rPr>
                   <a:t>dữ</a:t>
                 </a:r>
                 <a:r>
-                  <a:rPr lang="en-US" dirty="0" smtClean="0">
+                  <a:rPr lang="en-US" dirty="0">
                     <a:latin typeface="Times New Roman" panose="02020603050405020304" pitchFamily="18" charset="0"/>
                     <a:ea typeface="Times New Roman" panose="02020603050405020304" pitchFamily="18" charset="0"/>
                   </a:rPr>
                   <a:t> </a:t>
                 </a:r>
                 <a:r>
-                  <a:rPr lang="en-US" dirty="0" err="1" smtClean="0">
+                  <a:rPr lang="en-US" dirty="0" err="1">
                     <a:latin typeface="Times New Roman" panose="02020603050405020304" pitchFamily="18" charset="0"/>
                     <a:ea typeface="Times New Roman" panose="02020603050405020304" pitchFamily="18" charset="0"/>
                   </a:rPr>
                   <a:t>liệu</a:t>
                 </a:r>
                 <a:r>
-                  <a:rPr lang="en-US" dirty="0" smtClean="0">
+                  <a:rPr lang="en-US" dirty="0">
                     <a:latin typeface="Times New Roman" panose="02020603050405020304" pitchFamily="18" charset="0"/>
                     <a:ea typeface="Times New Roman" panose="02020603050405020304" pitchFamily="18" charset="0"/>
                   </a:rPr>
                   <a:t> </a:t>
                 </a:r>
                 <a:r>
-                  <a:rPr lang="en-US" dirty="0" err="1" smtClean="0">
+                  <a:rPr lang="en-US" dirty="0" err="1">
                     <a:latin typeface="Times New Roman" panose="02020603050405020304" pitchFamily="18" charset="0"/>
                     <a:ea typeface="Times New Roman" panose="02020603050405020304" pitchFamily="18" charset="0"/>
                   </a:rPr>
                   <a:t>có</a:t>
                 </a:r>
                 <a:r>
-                  <a:rPr lang="en-US" dirty="0" smtClean="0">
+                  <a:rPr lang="en-US" dirty="0">
                     <a:latin typeface="Times New Roman" panose="02020603050405020304" pitchFamily="18" charset="0"/>
                     <a:ea typeface="Times New Roman" panose="02020603050405020304" pitchFamily="18" charset="0"/>
                   </a:rPr>
                   <a:t> </a:t>
                 </a:r>
                 <a:r>
-                  <a:rPr lang="en-US" dirty="0" err="1" smtClean="0">
+                  <a:rPr lang="en-US" dirty="0" err="1">
                     <a:latin typeface="Times New Roman" panose="02020603050405020304" pitchFamily="18" charset="0"/>
                     <a:ea typeface="Times New Roman" panose="02020603050405020304" pitchFamily="18" charset="0"/>
                   </a:rPr>
                   <a:t>nhãn</a:t>
                 </a:r>
                 <a:r>
-                  <a:rPr lang="en-US" dirty="0" smtClean="0">
+                  <a:rPr lang="en-US" dirty="0">
                     <a:latin typeface="Times New Roman" panose="02020603050405020304" pitchFamily="18" charset="0"/>
                     <a:ea typeface="Times New Roman" panose="02020603050405020304" pitchFamily="18" charset="0"/>
                   </a:rPr>
                   <a:t> </a:t>
                 </a:r>
                 <a:r>
-                  <a:rPr lang="en-US" dirty="0" err="1" smtClean="0">
+                  <a:rPr lang="en-US" dirty="0" err="1">
                     <a:latin typeface="Times New Roman" panose="02020603050405020304" pitchFamily="18" charset="0"/>
                     <a:ea typeface="Times New Roman" panose="02020603050405020304" pitchFamily="18" charset="0"/>
                   </a:rPr>
                   <a:t>là</a:t>
                 </a:r>
                 <a:r>
-                  <a:rPr lang="en-US" dirty="0" smtClean="0">
+                  <a:rPr lang="en-US" dirty="0">
                     <a:latin typeface="Times New Roman" panose="02020603050405020304" pitchFamily="18" charset="0"/>
                     <a:ea typeface="Times New Roman" panose="02020603050405020304" pitchFamily="18" charset="0"/>
                   </a:rPr>
                   <a:t> no</a:t>
                 </a:r>
-                <a:endParaRPr lang="en-US" dirty="0">
-                  <a:latin typeface="Times New Roman" panose="02020603050405020304" pitchFamily="18" charset="0"/>
-                  <a:ea typeface="Times New Roman" panose="02020603050405020304" pitchFamily="18" charset="0"/>
-                </a:endParaRPr>
               </a:p>
             </p:txBody>
           </p:sp>
         </mc:Choice>
-        <mc:Fallback xmlns="">
+        <mc:Fallback>
           <p:sp>
             <p:nvSpPr>
               <p:cNvPr id="4" name="Rectangle 3"/>
@@ -29044,7 +29536,7 @@
             <p:spPr>
               <a:xfrm>
                 <a:off x="1087581" y="1223747"/>
-                <a:ext cx="10016836" cy="3779111"/>
+                <a:ext cx="10016836" cy="3455946"/>
               </a:xfrm>
               <a:prstGeom prst="rect">
                 <a:avLst/>
@@ -29052,7 +29544,7 @@
               <a:blipFill>
                 <a:blip r:embed="rId2"/>
                 <a:stretch>
-                  <a:fillRect l="-487" t="-968"/>
+                  <a:fillRect l="-487" t="-1058" b="-2646"/>
                 </a:stretch>
               </a:blipFill>
             </p:spPr>
@@ -29081,13 +29573,6 @@
   <p:clrMapOvr>
     <a:masterClrMapping/>
   </p:clrMapOvr>
-  <p:timing>
-    <p:tnLst>
-      <p:par>
-        <p:cTn id="1" dur="indefinite" restart="never" nodeType="tmRoot"/>
-      </p:par>
-    </p:tnLst>
-  </p:timing>
 </p:sld>
 </file>
 
@@ -29414,13 +29899,6 @@
   <p:clrMapOvr>
     <a:masterClrMapping/>
   </p:clrMapOvr>
-  <p:timing>
-    <p:tnLst>
-      <p:par>
-        <p:cTn id="1" dur="indefinite" restart="never" nodeType="tmRoot"/>
-      </p:par>
-    </p:tnLst>
-  </p:timing>
 </p:sld>
 </file>
 
@@ -29711,18 +30189,11 @@
                   </a:spcAft>
                 </a:pPr>
                 <a:r>
-                  <a:rPr lang="en-US" dirty="0" smtClean="0">
-                    <a:latin typeface="Times New Roman" panose="02020603050405020304" pitchFamily="18" charset="0"/>
-                    <a:cs typeface="Times New Roman" panose="02020603050405020304" pitchFamily="18" charset="0"/>
-                  </a:rPr>
-                  <a:t>G(D) </a:t>
-                </a:r>
-                <a:r>
                   <a:rPr lang="en-US" dirty="0">
                     <a:latin typeface="Times New Roman" panose="02020603050405020304" pitchFamily="18" charset="0"/>
                     <a:cs typeface="Times New Roman" panose="02020603050405020304" pitchFamily="18" charset="0"/>
                   </a:rPr>
-                  <a:t>= 1 -  </a:t>
+                  <a:t>G(D) = 1 -  </a:t>
                 </a:r>
                 <a14:m>
                   <m:oMath xmlns:m="http://schemas.openxmlformats.org/officeDocument/2006/math">
@@ -29861,32 +30332,11 @@
               </a:p>
               <a:p>
                 <a:r>
-                  <a:rPr lang="en-US" dirty="0" smtClean="0">
-                    <a:latin typeface="Times New Roman" panose="02020603050405020304" pitchFamily="18" charset="0"/>
-                    <a:cs typeface="Times New Roman" panose="02020603050405020304" pitchFamily="18" charset="0"/>
-                  </a:rPr>
-                  <a:t>G({yes, no} | outlook</a:t>
-                </a:r>
-                <a:r>
                   <a:rPr lang="en-US" dirty="0">
                     <a:latin typeface="Times New Roman" panose="02020603050405020304" pitchFamily="18" charset="0"/>
                     <a:cs typeface="Times New Roman" panose="02020603050405020304" pitchFamily="18" charset="0"/>
                   </a:rPr>
-                  <a:t>= “sunny</a:t>
-                </a:r>
-                <a:r>
-                  <a:rPr lang="en-US" dirty="0" smtClean="0">
-                    <a:latin typeface="Times New Roman" panose="02020603050405020304" pitchFamily="18" charset="0"/>
-                    <a:cs typeface="Times New Roman" panose="02020603050405020304" pitchFamily="18" charset="0"/>
-                  </a:rPr>
-                  <a:t>” ) </a:t>
-                </a:r>
-                <a:r>
-                  <a:rPr lang="en-US" dirty="0">
-                    <a:latin typeface="Times New Roman" panose="02020603050405020304" pitchFamily="18" charset="0"/>
-                    <a:cs typeface="Times New Roman" panose="02020603050405020304" pitchFamily="18" charset="0"/>
-                  </a:rPr>
-                  <a:t>= 1 </a:t>
+                  <a:t>G({yes, no} | outlook= “sunny” ) = 1 </a:t>
                 </a:r>
                 <a14:m>
                   <m:oMath xmlns:m="http://schemas.openxmlformats.org/officeDocument/2006/math">
@@ -30063,56 +30513,7 @@
                     <a:latin typeface="Times New Roman" panose="02020603050405020304" pitchFamily="18" charset="0"/>
                     <a:cs typeface="Times New Roman" panose="02020603050405020304" pitchFamily="18" charset="0"/>
                   </a:rPr>
-                  <a:t>G</a:t>
-                </a:r>
-                <a:r>
-                  <a:rPr lang="en-US" dirty="0" smtClean="0">
-                    <a:latin typeface="Times New Roman" panose="02020603050405020304" pitchFamily="18" charset="0"/>
-                    <a:cs typeface="Times New Roman" panose="02020603050405020304" pitchFamily="18" charset="0"/>
-                  </a:rPr>
-                  <a:t>({</a:t>
-                </a:r>
-                <a:r>
-                  <a:rPr lang="en-US" dirty="0">
-                    <a:latin typeface="Times New Roman" panose="02020603050405020304" pitchFamily="18" charset="0"/>
-                    <a:cs typeface="Times New Roman" panose="02020603050405020304" pitchFamily="18" charset="0"/>
-                  </a:rPr>
-                  <a:t>yes, no} </a:t>
-                </a:r>
-                <a:r>
-                  <a:rPr lang="en-US" dirty="0" smtClean="0">
-                    <a:latin typeface="Times New Roman" panose="02020603050405020304" pitchFamily="18" charset="0"/>
-                    <a:cs typeface="Times New Roman" panose="02020603050405020304" pitchFamily="18" charset="0"/>
-                  </a:rPr>
-                  <a:t>| </a:t>
-                </a:r>
-                <a:r>
-                  <a:rPr lang="en-US" dirty="0">
-                    <a:latin typeface="Times New Roman" panose="02020603050405020304" pitchFamily="18" charset="0"/>
-                    <a:cs typeface="Times New Roman" panose="02020603050405020304" pitchFamily="18" charset="0"/>
-                  </a:rPr>
-                  <a:t>outlook</a:t>
-                </a:r>
-                <a:r>
-                  <a:rPr lang="en-US" dirty="0">
-                    <a:latin typeface="Times New Roman" panose="02020603050405020304" pitchFamily="18" charset="0"/>
-                    <a:cs typeface="Times New Roman" panose="02020603050405020304" pitchFamily="18" charset="0"/>
-                  </a:rPr>
-                  <a:t>= “</a:t>
-                </a:r>
-                <a:r>
-                  <a:rPr lang="en-US" dirty="0" smtClean="0">
-                    <a:latin typeface="Times New Roman" panose="02020603050405020304" pitchFamily="18" charset="0"/>
-                    <a:cs typeface="Times New Roman" panose="02020603050405020304" pitchFamily="18" charset="0"/>
-                  </a:rPr>
-                  <a:t>overcast ) </a:t>
-                </a:r>
-                <a:r>
-                  <a:rPr lang="en-US" dirty="0">
-                    <a:latin typeface="Times New Roman" panose="02020603050405020304" pitchFamily="18" charset="0"/>
-                    <a:cs typeface="Times New Roman" panose="02020603050405020304" pitchFamily="18" charset="0"/>
-                  </a:rPr>
-                  <a:t>= 1 </a:t>
+                  <a:t>G({yes, no} | outlook= “overcast ) = 1 </a:t>
                 </a:r>
                 <a14:m>
                   <m:oMath xmlns:m="http://schemas.openxmlformats.org/officeDocument/2006/math">
@@ -30280,19 +30681,8 @@
                     <a:latin typeface="Times New Roman" panose="02020603050405020304" pitchFamily="18" charset="0"/>
                     <a:cs typeface="Times New Roman" panose="02020603050405020304" pitchFamily="18" charset="0"/>
                   </a:rPr>
-                  <a:t> = </a:t>
+                  <a:t> = 0</a:t>
                 </a:r>
-                <a:r>
-                  <a:rPr lang="en-US" dirty="0" smtClean="0">
-                    <a:latin typeface="Times New Roman" panose="02020603050405020304" pitchFamily="18" charset="0"/>
-                    <a:cs typeface="Times New Roman" panose="02020603050405020304" pitchFamily="18" charset="0"/>
-                  </a:rPr>
-                  <a:t>0</a:t>
-                </a:r>
-                <a:endParaRPr lang="en-US" dirty="0">
-                  <a:latin typeface="Times New Roman" panose="02020603050405020304" pitchFamily="18" charset="0"/>
-                  <a:cs typeface="Times New Roman" panose="02020603050405020304" pitchFamily="18" charset="0"/>
-                </a:endParaRPr>
               </a:p>
               <a:p>
                 <a:r>
@@ -30300,42 +30690,7 @@
                     <a:latin typeface="Times New Roman" panose="02020603050405020304" pitchFamily="18" charset="0"/>
                     <a:cs typeface="Times New Roman" panose="02020603050405020304" pitchFamily="18" charset="0"/>
                   </a:rPr>
-                  <a:t>G</a:t>
-                </a:r>
-                <a:r>
-                  <a:rPr lang="en-US" dirty="0" smtClean="0">
-                    <a:latin typeface="Times New Roman" panose="02020603050405020304" pitchFamily="18" charset="0"/>
-                    <a:cs typeface="Times New Roman" panose="02020603050405020304" pitchFamily="18" charset="0"/>
-                  </a:rPr>
-                  <a:t>({</a:t>
-                </a:r>
-                <a:r>
-                  <a:rPr lang="en-US" dirty="0">
-                    <a:latin typeface="Times New Roman" panose="02020603050405020304" pitchFamily="18" charset="0"/>
-                    <a:cs typeface="Times New Roman" panose="02020603050405020304" pitchFamily="18" charset="0"/>
-                  </a:rPr>
-                  <a:t>yes, no} | outlook</a:t>
-                </a:r>
-                <a:r>
-                  <a:rPr lang="en-US" dirty="0">
-                    <a:latin typeface="Times New Roman" panose="02020603050405020304" pitchFamily="18" charset="0"/>
-                    <a:cs typeface="Times New Roman" panose="02020603050405020304" pitchFamily="18" charset="0"/>
-                  </a:rPr>
-                  <a:t>= “rain</a:t>
-                </a:r>
-                <a:r>
-                  <a:rPr lang="en-US" dirty="0" smtClean="0">
-                    <a:latin typeface="Times New Roman" panose="02020603050405020304" pitchFamily="18" charset="0"/>
-                    <a:cs typeface="Times New Roman" panose="02020603050405020304" pitchFamily="18" charset="0"/>
-                  </a:rPr>
-                  <a:t>” ) </a:t>
-                </a:r>
-                <a:r>
-                  <a:rPr lang="en-US" dirty="0">
-                    <a:latin typeface="Times New Roman" panose="02020603050405020304" pitchFamily="18" charset="0"/>
-                    <a:cs typeface="Times New Roman" panose="02020603050405020304" pitchFamily="18" charset="0"/>
-                  </a:rPr>
-                  <a:t>= 1 </a:t>
+                  <a:t>G({yes, no} | outlook= “rain” ) = 1 </a:t>
                 </a:r>
                 <a14:m>
                   <m:oMath xmlns:m="http://schemas.openxmlformats.org/officeDocument/2006/math">
@@ -30508,32 +30863,11 @@
               </a:p>
               <a:p>
                 <a:r>
-                  <a:rPr lang="en-US" dirty="0" smtClean="0">
-                    <a:latin typeface="Times New Roman" panose="02020603050405020304" pitchFamily="18" charset="0"/>
-                    <a:cs typeface="Times New Roman" panose="02020603050405020304" pitchFamily="18" charset="0"/>
-                  </a:rPr>
-                  <a:t>G({</a:t>
-                </a:r>
-                <a:r>
                   <a:rPr lang="en-US" dirty="0">
                     <a:latin typeface="Times New Roman" panose="02020603050405020304" pitchFamily="18" charset="0"/>
                     <a:cs typeface="Times New Roman" panose="02020603050405020304" pitchFamily="18" charset="0"/>
                   </a:rPr>
-                  <a:t>yes, no} | </a:t>
-                </a:r>
-                <a:r>
-                  <a:rPr lang="en-US" dirty="0" smtClean="0">
-                    <a:latin typeface="Times New Roman" panose="02020603050405020304" pitchFamily="18" charset="0"/>
-                    <a:cs typeface="Times New Roman" panose="02020603050405020304" pitchFamily="18" charset="0"/>
-                  </a:rPr>
-                  <a:t>outlook ) </a:t>
-                </a:r>
-                <a:r>
-                  <a:rPr lang="en-US" dirty="0">
-                    <a:latin typeface="Times New Roman" panose="02020603050405020304" pitchFamily="18" charset="0"/>
-                    <a:cs typeface="Times New Roman" panose="02020603050405020304" pitchFamily="18" charset="0"/>
-                  </a:rPr>
-                  <a:t>= 0.48 * </a:t>
+                  <a:t>G({yes, no} | outlook ) = 0.48 * </a:t>
                 </a:r>
                 <a14:m>
                   <m:oMath xmlns:m="http://schemas.openxmlformats.org/officeDocument/2006/math">
@@ -34326,13 +34660,6 @@
   <p:clrMapOvr>
     <a:masterClrMapping/>
   </p:clrMapOvr>
-  <p:timing>
-    <p:tnLst>
-      <p:par>
-        <p:cTn id="1" dur="indefinite" restart="never" nodeType="tmRoot"/>
-      </p:par>
-    </p:tnLst>
-  </p:timing>
 </p:sld>
 </file>
 
@@ -35487,13 +35814,6 @@
   <p:clrMapOvr>
     <a:masterClrMapping/>
   </p:clrMapOvr>
-  <p:timing>
-    <p:tnLst>
-      <p:par>
-        <p:cTn id="1" dur="indefinite" restart="never" nodeType="tmRoot"/>
-      </p:par>
-    </p:tnLst>
-  </p:timing>
 </p:sld>
 </file>
 
